--- a/Section02/2.2-IntroToDataAnalytics.pptx
+++ b/Section02/2.2-IntroToDataAnalytics.pptx
@@ -297,7 +297,7 @@
       <p15:sldGuideLst xmlns:p15="http://schemas.microsoft.com/office/powerpoint/2012/main"/>
     </p:ext>
     <p:ext uri="http://customooxmlschemas.google.com/">
-      <go:slidesCustomData xmlns:go="http://customooxmlschemas.google.com/" xmlns:ahyp="http://schemas.microsoft.com/office/drawing/2018/hyperlinkcolor" xmlns:p15="http://schemas.microsoft.com/office/powerpoint/2012/main" xmlns:p14="http://schemas.microsoft.com/office/powerpoint/2010/main" xmlns:com="http://schemas.openxmlformats.org/drawingml/2006/compatibility" xmlns:pvml="urn:schemas-microsoft-com:office:powerpoint" xmlns:v="urn:schemas-microsoft-com:vml" xmlns:o="urn:schemas-microsoft-com:office:office" xmlns:dgm="http://schemas.openxmlformats.org/drawingml/2006/diagram" xmlns:c="http://schemas.openxmlformats.org/drawingml/2006/chart" xmlns:mv="urn:schemas-microsoft-com:mac:vml" xmlns:mc="http://schemas.openxmlformats.org/markup-compatibility/2006" xmlns="" r:id="rId53" roundtripDataSignature="AMtx7mibhW5gNs+yuMwXsrTAHjBGwJpiUg=="/>
+      <go:slidesCustomData xmlns="" xmlns:mc="http://schemas.openxmlformats.org/markup-compatibility/2006" xmlns:mv="urn:schemas-microsoft-com:mac:vml" xmlns:c="http://schemas.openxmlformats.org/drawingml/2006/chart" xmlns:dgm="http://schemas.openxmlformats.org/drawingml/2006/diagram" xmlns:o="urn:schemas-microsoft-com:office:office" xmlns:v="urn:schemas-microsoft-com:vml" xmlns:pvml="urn:schemas-microsoft-com:office:powerpoint" xmlns:com="http://schemas.openxmlformats.org/drawingml/2006/compatibility" xmlns:p14="http://schemas.microsoft.com/office/powerpoint/2010/main" xmlns:p15="http://schemas.microsoft.com/office/powerpoint/2012/main" xmlns:ahyp="http://schemas.microsoft.com/office/drawing/2018/hyperlinkcolor" xmlns:go="http://customooxmlschemas.google.com/" r:id="rId53" roundtripDataSignature="AMtx7mibhW5gNs+yuMwXsrTAHjBGwJpiUg=="/>
     </p:ext>
   </p:extLst>
 </p:presentation>
@@ -39434,12 +39434,123 @@
         </p:nvGrpSpPr>
         <p:grpSpPr>
           <a:xfrm>
-            <a:off x="4905052" y="750440"/>
-            <a:ext cx="6666833" cy="4856565"/>
-            <a:chOff x="0" y="0"/>
-            <a:chExt cx="6666833" cy="4856565"/>
+            <a:off x="4905051" y="750440"/>
+            <a:ext cx="6666834" cy="4856565"/>
+            <a:chOff x="-1" y="0"/>
+            <a:chExt cx="6666834" cy="4856565"/>
           </a:xfrm>
         </p:grpSpPr>
+        <p:sp>
+          <p:nvSpPr>
+            <p:cNvPr id="193" name="Google Shape;193;p4"/>
+            <p:cNvSpPr/>
+            <p:nvPr/>
+          </p:nvSpPr>
+          <p:spPr>
+            <a:xfrm>
+              <a:off x="-1" y="642868"/>
+              <a:ext cx="6666833" cy="623610"/>
+            </a:xfrm>
+            <a:prstGeom prst="roundRect">
+              <a:avLst>
+                <a:gd name="adj" fmla="val 16667"/>
+              </a:avLst>
+            </a:prstGeom>
+            <a:gradFill>
+              <a:gsLst>
+                <a:gs pos="0">
+                  <a:srgbClr val="6AC7D3"/>
+                </a:gs>
+                <a:gs pos="50000">
+                  <a:srgbClr val="4CC5D3"/>
+                </a:gs>
+                <a:gs pos="100000">
+                  <a:srgbClr val="3BB3C1"/>
+                </a:gs>
+              </a:gsLst>
+              <a:lin ang="5400000" scaled="0"/>
+            </a:gradFill>
+            <a:ln>
+              <a:noFill/>
+            </a:ln>
+          </p:spPr>
+          <p:txBody>
+            <a:bodyPr spcFirstLastPara="1" wrap="square" lIns="91425" tIns="91425" rIns="91425" bIns="91425" anchor="ctr" anchorCtr="0">
+              <a:noAutofit/>
+            </a:bodyPr>
+            <a:lstStyle/>
+            <a:p>
+              <a:pPr marL="0" lvl="0" indent="0" algn="l" rtl="0">
+                <a:spcBef>
+                  <a:spcPts val="0"/>
+                </a:spcBef>
+                <a:spcAft>
+                  <a:spcPts val="0"/>
+                </a:spcAft>
+                <a:buNone/>
+              </a:pPr>
+              <a:endParaRPr dirty="0"/>
+            </a:p>
+          </p:txBody>
+        </p:sp>
+        <p:sp>
+          <p:nvSpPr>
+            <p:cNvPr id="194" name="Google Shape;194;p4"/>
+            <p:cNvSpPr txBox="1"/>
+            <p:nvPr/>
+          </p:nvSpPr>
+          <p:spPr>
+            <a:xfrm>
+              <a:off x="30442" y="651953"/>
+              <a:ext cx="6605949" cy="562726"/>
+            </a:xfrm>
+            <a:prstGeom prst="rect">
+              <a:avLst/>
+            </a:prstGeom>
+            <a:noFill/>
+            <a:ln>
+              <a:noFill/>
+            </a:ln>
+          </p:spPr>
+          <p:txBody>
+            <a:bodyPr spcFirstLastPara="1" wrap="square" lIns="99050" tIns="99050" rIns="99050" bIns="99050" anchor="ctr" anchorCtr="0">
+              <a:noAutofit/>
+            </a:bodyPr>
+            <a:lstStyle/>
+            <a:p>
+              <a:pPr marL="0" marR="0" lvl="0" indent="0" algn="l" rtl="0">
+                <a:lnSpc>
+                  <a:spcPct val="90000"/>
+                </a:lnSpc>
+                <a:spcBef>
+                  <a:spcPts val="0"/>
+                </a:spcBef>
+                <a:spcAft>
+                  <a:spcPts val="0"/>
+                </a:spcAft>
+                <a:buClr>
+                  <a:schemeClr val="lt1"/>
+                </a:buClr>
+                <a:buSzPts val="2600"/>
+                <a:buFont typeface="Calibri"/>
+                <a:buNone/>
+              </a:pPr>
+              <a:r>
+                <a:rPr lang="en-US" sz="2600" b="1" dirty="0">
+                  <a:solidFill>
+                    <a:schemeClr val="lt1"/>
+                  </a:solidFill>
+                  <a:latin typeface="Calibri"/>
+                  <a:ea typeface="Calibri"/>
+                  <a:cs typeface="Calibri"/>
+                  <a:sym typeface="Calibri"/>
+                </a:rPr>
+                <a:t>Use that data to answer questions</a:t>
+              </a:r>
+              <a:endParaRPr b="1" dirty="0"/>
+            </a:p>
+          </p:txBody>
+        </p:sp>
         <p:sp>
           <p:nvSpPr>
             <p:cNvPr id="191" name="Google Shape;191;p4"/>
@@ -39536,9 +39647,9 @@
                 <a:buNone/>
               </a:pPr>
               <a:r>
-                <a:rPr lang="en-US" sz="2600">
+                <a:rPr lang="en-US" sz="2600" b="1" dirty="0">
                   <a:solidFill>
-                    <a:schemeClr val="lt1"/>
+                    <a:schemeClr val="bg1"/>
                   </a:solidFill>
                   <a:latin typeface="Calibri"/>
                   <a:ea typeface="Calibri"/>
@@ -39547,118 +39658,11 @@
                 </a:rPr>
                 <a:t>Take data from their organizations</a:t>
               </a:r>
-              <a:endParaRPr/>
-            </a:p>
-          </p:txBody>
-        </p:sp>
-        <p:sp>
-          <p:nvSpPr>
-            <p:cNvPr id="193" name="Google Shape;193;p4"/>
-            <p:cNvSpPr/>
-            <p:nvPr/>
-          </p:nvSpPr>
-          <p:spPr>
-            <a:xfrm>
-              <a:off x="0" y="621511"/>
-              <a:ext cx="6666833" cy="623610"/>
-            </a:xfrm>
-            <a:prstGeom prst="roundRect">
-              <a:avLst>
-                <a:gd name="adj" fmla="val 16667"/>
-              </a:avLst>
-            </a:prstGeom>
-            <a:gradFill>
-              <a:gsLst>
-                <a:gs pos="0">
-                  <a:srgbClr val="6AC7D3"/>
-                </a:gs>
-                <a:gs pos="50000">
-                  <a:srgbClr val="4CC5D3"/>
-                </a:gs>
-                <a:gs pos="100000">
-                  <a:srgbClr val="3BB3C1"/>
-                </a:gs>
-              </a:gsLst>
-              <a:lin ang="5400000" scaled="0"/>
-            </a:gradFill>
-            <a:ln>
-              <a:noFill/>
-            </a:ln>
-          </p:spPr>
-          <p:txBody>
-            <a:bodyPr spcFirstLastPara="1" wrap="square" lIns="91425" tIns="91425" rIns="91425" bIns="91425" anchor="ctr" anchorCtr="0">
-              <a:noAutofit/>
-            </a:bodyPr>
-            <a:lstStyle/>
-            <a:p>
-              <a:pPr marL="0" lvl="0" indent="0" algn="l" rtl="0">
-                <a:spcBef>
-                  <a:spcPts val="0"/>
-                </a:spcBef>
-                <a:spcAft>
-                  <a:spcPts val="0"/>
-                </a:spcAft>
-                <a:buNone/>
-              </a:pPr>
-              <a:endParaRPr/>
-            </a:p>
-          </p:txBody>
-        </p:sp>
-        <p:sp>
-          <p:nvSpPr>
-            <p:cNvPr id="194" name="Google Shape;194;p4"/>
-            <p:cNvSpPr txBox="1"/>
-            <p:nvPr/>
-          </p:nvSpPr>
-          <p:spPr>
-            <a:xfrm>
-              <a:off x="30442" y="651953"/>
-              <a:ext cx="6605949" cy="562726"/>
-            </a:xfrm>
-            <a:prstGeom prst="rect">
-              <a:avLst/>
-            </a:prstGeom>
-            <a:noFill/>
-            <a:ln>
-              <a:noFill/>
-            </a:ln>
-          </p:spPr>
-          <p:txBody>
-            <a:bodyPr spcFirstLastPara="1" wrap="square" lIns="99050" tIns="99050" rIns="99050" bIns="99050" anchor="ctr" anchorCtr="0">
-              <a:noAutofit/>
-            </a:bodyPr>
-            <a:lstStyle/>
-            <a:p>
-              <a:pPr marL="0" marR="0" lvl="0" indent="0" algn="l" rtl="0">
-                <a:lnSpc>
-                  <a:spcPct val="90000"/>
-                </a:lnSpc>
-                <a:spcBef>
-                  <a:spcPts val="0"/>
-                </a:spcBef>
-                <a:spcAft>
-                  <a:spcPts val="0"/>
-                </a:spcAft>
-                <a:buClr>
-                  <a:schemeClr val="lt1"/>
-                </a:buClr>
-                <a:buSzPts val="2600"/>
-                <a:buFont typeface="Calibri"/>
-                <a:buNone/>
-              </a:pPr>
-              <a:r>
-                <a:rPr lang="en-US" sz="2600">
-                  <a:solidFill>
-                    <a:schemeClr val="lt1"/>
-                  </a:solidFill>
-                  <a:latin typeface="Calibri"/>
-                  <a:ea typeface="Calibri"/>
-                  <a:cs typeface="Calibri"/>
-                  <a:sym typeface="Calibri"/>
-                </a:rPr>
-                <a:t>Use that data to answer questions</a:t>
-              </a:r>
-              <a:endParaRPr/>
+              <a:endParaRPr b="1" dirty="0">
+                <a:solidFill>
+                  <a:schemeClr val="bg1"/>
+                </a:solidFill>
+              </a:endParaRPr>
             </a:p>
           </p:txBody>
         </p:sp>
@@ -39758,7 +39762,7 @@
                 <a:buNone/>
               </a:pPr>
               <a:r>
-                <a:rPr lang="en-US" sz="2600">
+                <a:rPr lang="en-US" sz="2600" b="1" dirty="0">
                   <a:solidFill>
                     <a:schemeClr val="lt1"/>
                   </a:solidFill>
@@ -39769,7 +39773,7 @@
                 </a:rPr>
                 <a:t>Communicate the results</a:t>
               </a:r>
-              <a:endParaRPr/>
+              <a:endParaRPr b="1" dirty="0"/>
             </a:p>
           </p:txBody>
         </p:sp>
@@ -39869,7 +39873,7 @@
                 <a:buNone/>
               </a:pPr>
               <a:r>
-                <a:rPr lang="en-US" sz="2600" dirty="0">
+                <a:rPr lang="en-US" sz="2600" b="1" dirty="0">
                   <a:solidFill>
                     <a:schemeClr val="lt1"/>
                   </a:solidFill>
@@ -39878,9 +39882,9 @@
                   <a:cs typeface="Calibri"/>
                   <a:sym typeface="Calibri"/>
                 </a:rPr>
-                <a:t>Business Analyst, Operations Analyst</a:t>
+                <a:t>Business Analyst; Operations Analyst</a:t>
               </a:r>
-              <a:endParaRPr dirty="0"/>
+              <a:endParaRPr b="1" dirty="0"/>
             </a:p>
           </p:txBody>
         </p:sp>
@@ -39980,7 +39984,7 @@
                 <a:buNone/>
               </a:pPr>
               <a:r>
-                <a:rPr lang="en-US" sz="2600">
+                <a:rPr lang="en-US" sz="2600" b="1" dirty="0">
                   <a:solidFill>
                     <a:schemeClr val="lt1"/>
                   </a:solidFill>
@@ -39989,9 +39993,9 @@
                   <a:cs typeface="Calibri"/>
                   <a:sym typeface="Calibri"/>
                 </a:rPr>
-                <a:t>Business Intelligence Analyst, Database Analyst</a:t>
+                <a:t>Business Intelligence Analyst</a:t>
               </a:r>
-              <a:endParaRPr/>
+              <a:endParaRPr b="1" dirty="0"/>
             </a:p>
           </p:txBody>
         </p:sp>
@@ -40091,7 +40095,7 @@
                 <a:buNone/>
               </a:pPr>
               <a:r>
-                <a:rPr lang="en-US" sz="2600">
+                <a:rPr lang="en-US" sz="2600" b="1" dirty="0">
                   <a:solidFill>
                     <a:schemeClr val="lt1"/>
                   </a:solidFill>
@@ -40100,9 +40104,9 @@
                   <a:cs typeface="Calibri"/>
                   <a:sym typeface="Calibri"/>
                 </a:rPr>
-                <a:t>Marketing Analyst</a:t>
+                <a:t>Marketing Analyst; Database Analyst </a:t>
               </a:r>
-              <a:endParaRPr/>
+              <a:endParaRPr b="1" dirty="0"/>
             </a:p>
           </p:txBody>
         </p:sp>

--- a/Section02/2.2-IntroToDataAnalytics.pptx
+++ b/Section02/2.2-IntroToDataAnalytics.pptx
@@ -7,7 +7,7 @@
     <p:sldMasterId id="2147483672" r:id="rId3"/>
   </p:sldMasterIdLst>
   <p:notesMasterIdLst>
-    <p:notesMasterId r:id="rId24"/>
+    <p:notesMasterId r:id="rId25"/>
   </p:notesMasterIdLst>
   <p:sldIdLst>
     <p:sldId id="274" r:id="rId4"/>
@@ -27,40 +27,41 @@
     <p:sldId id="269" r:id="rId18"/>
     <p:sldId id="270" r:id="rId19"/>
     <p:sldId id="271" r:id="rId20"/>
-    <p:sldId id="272" r:id="rId21"/>
-    <p:sldId id="300" r:id="rId22"/>
-    <p:sldId id="302" r:id="rId23"/>
+    <p:sldId id="303" r:id="rId21"/>
+    <p:sldId id="272" r:id="rId22"/>
+    <p:sldId id="300" r:id="rId23"/>
+    <p:sldId id="302" r:id="rId24"/>
   </p:sldIdLst>
   <p:sldSz cx="12192000" cy="6858000"/>
   <p:notesSz cx="6858000" cy="9144000"/>
   <p:embeddedFontLst>
     <p:embeddedFont>
       <p:font typeface="Bookman Old Style" panose="02050604050505020204" pitchFamily="18" charset="0"/>
-      <p:regular r:id="rId25"/>
-      <p:bold r:id="rId26"/>
-      <p:italic r:id="rId27"/>
-      <p:boldItalic r:id="rId28"/>
+      <p:regular r:id="rId26"/>
+      <p:bold r:id="rId27"/>
+      <p:italic r:id="rId28"/>
+      <p:boldItalic r:id="rId29"/>
     </p:embeddedFont>
     <p:embeddedFont>
       <p:font typeface="Calibri" panose="020F0502020204030204" pitchFamily="34" charset="0"/>
-      <p:regular r:id="rId29"/>
-      <p:bold r:id="rId30"/>
-      <p:italic r:id="rId31"/>
-      <p:boldItalic r:id="rId32"/>
+      <p:regular r:id="rId30"/>
+      <p:bold r:id="rId31"/>
+      <p:italic r:id="rId32"/>
+      <p:boldItalic r:id="rId33"/>
     </p:embeddedFont>
     <p:embeddedFont>
       <p:font typeface="Georgia" panose="02040502050405020303" pitchFamily="18" charset="0"/>
-      <p:regular r:id="rId33"/>
-      <p:bold r:id="rId34"/>
-      <p:italic r:id="rId35"/>
-      <p:boldItalic r:id="rId36"/>
+      <p:regular r:id="rId34"/>
+      <p:bold r:id="rId35"/>
+      <p:italic r:id="rId36"/>
+      <p:boldItalic r:id="rId37"/>
     </p:embeddedFont>
     <p:embeddedFont>
       <p:font typeface="Libre Franklin" pitchFamily="2" charset="0"/>
-      <p:regular r:id="rId37"/>
-      <p:bold r:id="rId38"/>
-      <p:italic r:id="rId39"/>
-      <p:boldItalic r:id="rId40"/>
+      <p:regular r:id="rId38"/>
+      <p:bold r:id="rId39"/>
+      <p:italic r:id="rId40"/>
+      <p:boldItalic r:id="rId41"/>
     </p:embeddedFont>
   </p:embeddedFontLst>
   <p:defaultTextStyle>
@@ -297,7 +298,7 @@
       <p15:sldGuideLst xmlns:p15="http://schemas.microsoft.com/office/powerpoint/2012/main"/>
     </p:ext>
     <p:ext uri="http://customooxmlschemas.google.com/">
-      <go:slidesCustomData xmlns="" xmlns:mc="http://schemas.openxmlformats.org/markup-compatibility/2006" xmlns:mv="urn:schemas-microsoft-com:mac:vml" xmlns:c="http://schemas.openxmlformats.org/drawingml/2006/chart" xmlns:dgm="http://schemas.openxmlformats.org/drawingml/2006/diagram" xmlns:o="urn:schemas-microsoft-com:office:office" xmlns:v="urn:schemas-microsoft-com:vml" xmlns:pvml="urn:schemas-microsoft-com:office:powerpoint" xmlns:com="http://schemas.openxmlformats.org/drawingml/2006/compatibility" xmlns:p14="http://schemas.microsoft.com/office/powerpoint/2010/main" xmlns:p15="http://schemas.microsoft.com/office/powerpoint/2012/main" xmlns:ahyp="http://schemas.microsoft.com/office/drawing/2018/hyperlinkcolor" xmlns:go="http://customooxmlschemas.google.com/" r:id="rId53" roundtripDataSignature="AMtx7mibhW5gNs+yuMwXsrTAHjBGwJpiUg=="/>
+      <go:slidesCustomData xmlns:go="http://customooxmlschemas.google.com/" xmlns:ahyp="http://schemas.microsoft.com/office/drawing/2018/hyperlinkcolor" xmlns:p15="http://schemas.microsoft.com/office/powerpoint/2012/main" xmlns:p14="http://schemas.microsoft.com/office/powerpoint/2010/main" xmlns:com="http://schemas.openxmlformats.org/drawingml/2006/compatibility" xmlns:pvml="urn:schemas-microsoft-com:office:powerpoint" xmlns:v="urn:schemas-microsoft-com:vml" xmlns:o="urn:schemas-microsoft-com:office:office" xmlns:dgm="http://schemas.openxmlformats.org/drawingml/2006/diagram" xmlns:c="http://schemas.openxmlformats.org/drawingml/2006/chart" xmlns:mv="urn:schemas-microsoft-com:mac:vml" xmlns:mc="http://schemas.openxmlformats.org/markup-compatibility/2006" xmlns="" r:id="rId53" roundtripDataSignature="AMtx7mibhW5gNs+yuMwXsrTAHjBGwJpiUg=="/>
     </p:ext>
   </p:extLst>
 </p:presentation>
@@ -35836,6 +35837,196 @@
 </file>
 
 <file path=ppt/slides/slide18.xml><?xml version="1.0" encoding="utf-8"?>
+<p:sld xmlns:a="http://schemas.openxmlformats.org/drawingml/2006/main" xmlns:r="http://schemas.openxmlformats.org/officeDocument/2006/relationships" xmlns:p="http://schemas.openxmlformats.org/presentationml/2006/main">
+  <p:cSld>
+    <p:spTree>
+      <p:nvGrpSpPr>
+        <p:cNvPr id="1" name=""/>
+        <p:cNvGrpSpPr/>
+        <p:nvPr/>
+      </p:nvGrpSpPr>
+      <p:grpSpPr>
+        <a:xfrm>
+          <a:off x="0" y="0"/>
+          <a:ext cx="0" cy="0"/>
+          <a:chOff x="0" y="0"/>
+          <a:chExt cx="0" cy="0"/>
+        </a:xfrm>
+      </p:grpSpPr>
+      <p:sp>
+        <p:nvSpPr>
+          <p:cNvPr id="2" name="Title 1">
+            <a:extLst>
+              <a:ext uri="{FF2B5EF4-FFF2-40B4-BE49-F238E27FC236}">
+                <a16:creationId xmlns:a16="http://schemas.microsoft.com/office/drawing/2014/main" id="{630144AF-7367-2C11-AD48-3BD515242483}"/>
+              </a:ext>
+            </a:extLst>
+          </p:cNvPr>
+          <p:cNvSpPr>
+            <a:spLocks noGrp="1"/>
+          </p:cNvSpPr>
+          <p:nvPr>
+            <p:ph type="title"/>
+          </p:nvPr>
+        </p:nvSpPr>
+        <p:spPr/>
+        <p:txBody>
+          <a:bodyPr>
+            <a:normAutofit/>
+          </a:bodyPr>
+          <a:lstStyle/>
+          <a:p>
+            <a:pPr algn="ctr"/>
+            <a:r>
+              <a:rPr lang="en-US" sz="5400" b="1" i="0" dirty="0">
+                <a:solidFill>
+                  <a:srgbClr val="D1D2D3"/>
+                </a:solidFill>
+                <a:effectLst/>
+                <a:latin typeface="Slack-Lato"/>
+              </a:rPr>
+              <a:t>What is Crisp-DM?</a:t>
+            </a:r>
+            <a:endParaRPr lang="en-US" sz="5400" dirty="0"/>
+          </a:p>
+        </p:txBody>
+      </p:sp>
+      <p:sp>
+        <p:nvSpPr>
+          <p:cNvPr id="3" name="Text Placeholder 2">
+            <a:extLst>
+              <a:ext uri="{FF2B5EF4-FFF2-40B4-BE49-F238E27FC236}">
+                <a16:creationId xmlns:a16="http://schemas.microsoft.com/office/drawing/2014/main" id="{F4D96964-F115-818A-9A82-C12CE2C9C6B8}"/>
+              </a:ext>
+            </a:extLst>
+          </p:cNvPr>
+          <p:cNvSpPr>
+            <a:spLocks noGrp="1"/>
+          </p:cNvSpPr>
+          <p:nvPr>
+            <p:ph type="body" idx="1"/>
+          </p:nvPr>
+        </p:nvSpPr>
+        <p:spPr>
+          <a:xfrm>
+            <a:off x="4687613" y="0"/>
+            <a:ext cx="7504387" cy="6858000"/>
+          </a:xfrm>
+        </p:spPr>
+        <p:txBody>
+          <a:bodyPr>
+            <a:normAutofit lnSpcReduction="10000"/>
+          </a:bodyPr>
+          <a:lstStyle/>
+          <a:p>
+            <a:r>
+              <a:rPr lang="en-US" sz="2800" dirty="0"/>
+              <a:t>The </a:t>
+            </a:r>
+            <a:r>
+              <a:rPr lang="en-US" sz="2800" dirty="0" err="1">
+                <a:solidFill>
+                  <a:schemeClr val="accent2">
+                    <a:lumMod val="50000"/>
+                  </a:schemeClr>
+                </a:solidFill>
+              </a:rPr>
+              <a:t>CRoss</a:t>
+            </a:r>
+            <a:r>
+              <a:rPr lang="en-US" sz="2800" dirty="0">
+                <a:solidFill>
+                  <a:schemeClr val="accent2">
+                    <a:lumMod val="50000"/>
+                  </a:schemeClr>
+                </a:solidFill>
+              </a:rPr>
+              <a:t> Industry Standard Process for Data Mining </a:t>
+            </a:r>
+            <a:r>
+              <a:rPr lang="en-US" sz="2800" dirty="0"/>
+              <a:t>(CRISP-DM) is a model that serves as the base for a data science process.</a:t>
+            </a:r>
+          </a:p>
+          <a:p>
+            <a:r>
+              <a:rPr lang="en-US" sz="2800" dirty="0"/>
+              <a:t>Published in 1999 to standardize data mining processes across industries, it is the most common methodology for data mining, analytics, and data science projects.</a:t>
+            </a:r>
+          </a:p>
+          <a:p>
+            <a:r>
+              <a:rPr lang="en-US" sz="2800" dirty="0"/>
+              <a:t>Data science teams that combine a loose implementation of CRISP-DM with overarching team-based </a:t>
+            </a:r>
+            <a:r>
+              <a:rPr lang="en-US" sz="2800" b="1" dirty="0"/>
+              <a:t>Agile</a:t>
+            </a:r>
+            <a:r>
+              <a:rPr lang="en-US" sz="2800" dirty="0"/>
+              <a:t> project management approaches will likely see the best results.</a:t>
+            </a:r>
+          </a:p>
+        </p:txBody>
+      </p:sp>
+      <p:sp>
+        <p:nvSpPr>
+          <p:cNvPr id="4" name="Text Placeholder 3">
+            <a:extLst>
+              <a:ext uri="{FF2B5EF4-FFF2-40B4-BE49-F238E27FC236}">
+                <a16:creationId xmlns:a16="http://schemas.microsoft.com/office/drawing/2014/main" id="{0F58FA24-833F-CDA6-0B32-603AEA2315EB}"/>
+              </a:ext>
+            </a:extLst>
+          </p:cNvPr>
+          <p:cNvSpPr>
+            <a:spLocks noGrp="1"/>
+          </p:cNvSpPr>
+          <p:nvPr>
+            <p:ph type="body" idx="2"/>
+          </p:nvPr>
+        </p:nvSpPr>
+        <p:spPr>
+          <a:xfrm>
+            <a:off x="178676" y="3043050"/>
+            <a:ext cx="4319751" cy="3557447"/>
+          </a:xfrm>
+        </p:spPr>
+        <p:txBody>
+          <a:bodyPr>
+            <a:normAutofit/>
+          </a:bodyPr>
+          <a:lstStyle/>
+          <a:p>
+            <a:r>
+              <a:rPr lang="en-US" sz="4000" b="0" i="0" u="sng" dirty="0">
+                <a:effectLst/>
+                <a:latin typeface="Slack-Lato"/>
+                <a:hlinkClick r:id="rId2"/>
+              </a:rPr>
+              <a:t>https://www.datascience-pm.com/crisp-dm-2/</a:t>
+            </a:r>
+            <a:endParaRPr lang="en-US" sz="4000" dirty="0"/>
+          </a:p>
+        </p:txBody>
+      </p:sp>
+    </p:spTree>
+    <p:extLst>
+      <p:ext uri="{BB962C8B-B14F-4D97-AF65-F5344CB8AC3E}">
+        <p14:creationId xmlns:p14="http://schemas.microsoft.com/office/powerpoint/2010/main" val="2293239231"/>
+      </p:ext>
+    </p:extLst>
+  </p:cSld>
+  <p:clrMapOvr>
+    <a:masterClrMapping/>
+  </p:clrMapOvr>
+  <p:transition spd="slow">
+    <p:push/>
+  </p:transition>
+</p:sld>
+</file>
+
+<file path=ppt/slides/slide19.xml><?xml version="1.0" encoding="utf-8"?>
 <p:sld xmlns:a="http://schemas.openxmlformats.org/drawingml/2006/main" xmlns:r="http://schemas.openxmlformats.org/officeDocument/2006/relationships" xmlns:p="http://schemas.openxmlformats.org/presentationml/2006/main">
   <p:cSld>
     <p:bg>
@@ -36912,7 +37103,714 @@
 </p:sld>
 </file>
 
-<file path=ppt/slides/slide19.xml><?xml version="1.0" encoding="utf-8"?>
+<file path=ppt/slides/slide2.xml><?xml version="1.0" encoding="utf-8"?>
+<p:sld xmlns:a="http://schemas.openxmlformats.org/drawingml/2006/main" xmlns:r="http://schemas.openxmlformats.org/officeDocument/2006/relationships" xmlns:p="http://schemas.openxmlformats.org/presentationml/2006/main">
+  <p:cSld>
+    <p:bg>
+      <p:bgPr>
+        <a:solidFill>
+          <a:schemeClr val="lt1"/>
+        </a:solidFill>
+        <a:effectLst/>
+      </p:bgPr>
+    </p:bg>
+    <p:spTree>
+      <p:nvGrpSpPr>
+        <p:cNvPr id="1" name="Shape 168"/>
+        <p:cNvGrpSpPr/>
+        <p:nvPr/>
+      </p:nvGrpSpPr>
+      <p:grpSpPr>
+        <a:xfrm>
+          <a:off x="0" y="0"/>
+          <a:ext cx="0" cy="0"/>
+          <a:chOff x="0" y="0"/>
+          <a:chExt cx="0" cy="0"/>
+        </a:xfrm>
+      </p:grpSpPr>
+      <p:sp>
+        <p:nvSpPr>
+          <p:cNvPr id="169" name="Google Shape;169;p3"/>
+          <p:cNvSpPr/>
+          <p:nvPr/>
+        </p:nvSpPr>
+        <p:spPr>
+          <a:xfrm>
+            <a:off x="-1" y="0"/>
+            <a:ext cx="5093209" cy="6858000"/>
+          </a:xfrm>
+          <a:prstGeom prst="rect">
+            <a:avLst/>
+          </a:prstGeom>
+          <a:solidFill>
+            <a:schemeClr val="accent1"/>
+          </a:solidFill>
+          <a:ln>
+            <a:noFill/>
+          </a:ln>
+        </p:spPr>
+        <p:txBody>
+          <a:bodyPr spcFirstLastPara="1" wrap="square" lIns="91425" tIns="45700" rIns="91425" bIns="45700" anchor="ctr" anchorCtr="0">
+            <a:noAutofit/>
+          </a:bodyPr>
+          <a:lstStyle/>
+          <a:p>
+            <a:pPr marL="0" marR="0" lvl="0" indent="0" algn="ctr" rtl="0">
+              <a:spcBef>
+                <a:spcPts val="0"/>
+              </a:spcBef>
+              <a:spcAft>
+                <a:spcPts val="0"/>
+              </a:spcAft>
+              <a:buNone/>
+            </a:pPr>
+            <a:endParaRPr sz="1800" b="0" i="0" u="none" strike="noStrike" cap="none">
+              <a:solidFill>
+                <a:schemeClr val="lt1"/>
+              </a:solidFill>
+              <a:latin typeface="Calibri"/>
+              <a:ea typeface="Calibri"/>
+              <a:cs typeface="Calibri"/>
+              <a:sym typeface="Calibri"/>
+            </a:endParaRPr>
+          </a:p>
+        </p:txBody>
+      </p:sp>
+      <p:sp>
+        <p:nvSpPr>
+          <p:cNvPr id="170" name="Google Shape;170;p3"/>
+          <p:cNvSpPr txBox="1">
+            <a:spLocks noGrp="1"/>
+          </p:cNvSpPr>
+          <p:nvPr>
+            <p:ph type="title"/>
+          </p:nvPr>
+        </p:nvSpPr>
+        <p:spPr>
+          <a:xfrm>
+            <a:off x="642469" y="168167"/>
+            <a:ext cx="3808268" cy="3260834"/>
+          </a:xfrm>
+          <a:prstGeom prst="rect">
+            <a:avLst/>
+          </a:prstGeom>
+          <a:noFill/>
+          <a:ln>
+            <a:noFill/>
+          </a:ln>
+        </p:spPr>
+        <p:txBody>
+          <a:bodyPr spcFirstLastPara="1" wrap="square" lIns="91425" tIns="45700" rIns="91425" bIns="45700" anchor="ctr" anchorCtr="0">
+            <a:normAutofit/>
+          </a:bodyPr>
+          <a:lstStyle/>
+          <a:p>
+            <a:pPr marL="0" lvl="0" indent="0" algn="l" rtl="0">
+              <a:lnSpc>
+                <a:spcPct val="90000"/>
+              </a:lnSpc>
+              <a:spcBef>
+                <a:spcPts val="0"/>
+              </a:spcBef>
+              <a:spcAft>
+                <a:spcPts val="0"/>
+              </a:spcAft>
+              <a:buClr>
+                <a:schemeClr val="lt1"/>
+              </a:buClr>
+              <a:buSzPts val="6000"/>
+              <a:buFont typeface="Calibri"/>
+              <a:buNone/>
+            </a:pPr>
+            <a:r>
+              <a:rPr lang="en-US" sz="6000" dirty="0">
+                <a:solidFill>
+                  <a:schemeClr val="lt1"/>
+                </a:solidFill>
+              </a:rPr>
+              <a:t>DAP is </a:t>
+            </a:r>
+            <a:r>
+              <a:rPr lang="en-US" sz="6000" b="1" u="sng" dirty="0">
+                <a:solidFill>
+                  <a:schemeClr val="lt1"/>
+                </a:solidFill>
+              </a:rPr>
+              <a:t>HOT</a:t>
+            </a:r>
+            <a:r>
+              <a:rPr lang="en-US" sz="6000" dirty="0">
+                <a:solidFill>
+                  <a:schemeClr val="lt1"/>
+                </a:solidFill>
+              </a:rPr>
+              <a:t> right now!</a:t>
+            </a:r>
+            <a:endParaRPr dirty="0"/>
+          </a:p>
+        </p:txBody>
+      </p:sp>
+      <p:grpSp>
+        <p:nvGrpSpPr>
+          <p:cNvPr id="171" name="Google Shape;171;p3"/>
+          <p:cNvGrpSpPr/>
+          <p:nvPr/>
+        </p:nvGrpSpPr>
+        <p:grpSpPr>
+          <a:xfrm>
+            <a:off x="5468389" y="620535"/>
+            <a:ext cx="6263640" cy="5504401"/>
+            <a:chOff x="0" y="143"/>
+            <a:chExt cx="6263640" cy="5504401"/>
+          </a:xfrm>
+        </p:grpSpPr>
+        <p:sp>
+          <p:nvSpPr>
+            <p:cNvPr id="172" name="Google Shape;172;p3"/>
+            <p:cNvSpPr/>
+            <p:nvPr/>
+          </p:nvSpPr>
+          <p:spPr>
+            <a:xfrm>
+              <a:off x="0" y="143"/>
+              <a:ext cx="6263640" cy="1750320"/>
+            </a:xfrm>
+            <a:prstGeom prst="roundRect">
+              <a:avLst>
+                <a:gd name="adj" fmla="val 16667"/>
+              </a:avLst>
+            </a:prstGeom>
+            <a:solidFill>
+              <a:srgbClr val="599BD5"/>
+            </a:solidFill>
+            <a:ln w="12700" cap="flat" cmpd="sng">
+              <a:solidFill>
+                <a:schemeClr val="lt1"/>
+              </a:solidFill>
+              <a:prstDash val="solid"/>
+              <a:miter lim="800000"/>
+              <a:headEnd type="none" w="sm" len="sm"/>
+              <a:tailEnd type="none" w="sm" len="sm"/>
+            </a:ln>
+          </p:spPr>
+          <p:txBody>
+            <a:bodyPr spcFirstLastPara="1" wrap="square" lIns="91425" tIns="91425" rIns="91425" bIns="91425" anchor="ctr" anchorCtr="0">
+              <a:noAutofit/>
+            </a:bodyPr>
+            <a:lstStyle/>
+            <a:p>
+              <a:pPr marL="0" lvl="0" indent="0" algn="l" rtl="0">
+                <a:spcBef>
+                  <a:spcPts val="0"/>
+                </a:spcBef>
+                <a:spcAft>
+                  <a:spcPts val="0"/>
+                </a:spcAft>
+                <a:buNone/>
+              </a:pPr>
+              <a:endParaRPr/>
+            </a:p>
+          </p:txBody>
+        </p:sp>
+        <p:sp>
+          <p:nvSpPr>
+            <p:cNvPr id="173" name="Google Shape;173;p3"/>
+            <p:cNvSpPr txBox="1"/>
+            <p:nvPr/>
+          </p:nvSpPr>
+          <p:spPr>
+            <a:xfrm>
+              <a:off x="85444" y="85587"/>
+              <a:ext cx="6092752" cy="1579432"/>
+            </a:xfrm>
+            <a:prstGeom prst="rect">
+              <a:avLst/>
+            </a:prstGeom>
+            <a:noFill/>
+            <a:ln>
+              <a:noFill/>
+            </a:ln>
+          </p:spPr>
+          <p:txBody>
+            <a:bodyPr spcFirstLastPara="1" wrap="square" lIns="167625" tIns="167625" rIns="167625" bIns="167625" anchor="ctr" anchorCtr="0">
+              <a:noAutofit/>
+            </a:bodyPr>
+            <a:lstStyle/>
+            <a:p>
+              <a:pPr marL="0" marR="0" lvl="0" indent="0" algn="l" rtl="0">
+                <a:lnSpc>
+                  <a:spcPct val="90000"/>
+                </a:lnSpc>
+                <a:spcBef>
+                  <a:spcPts val="0"/>
+                </a:spcBef>
+                <a:spcAft>
+                  <a:spcPts val="0"/>
+                </a:spcAft>
+                <a:buClr>
+                  <a:schemeClr val="lt1"/>
+                </a:buClr>
+                <a:buSzPts val="4400"/>
+                <a:buFont typeface="Calibri"/>
+                <a:buNone/>
+              </a:pPr>
+              <a:r>
+                <a:rPr lang="en-US" sz="4400" b="0" i="0" u="none" strike="noStrike" cap="none">
+                  <a:solidFill>
+                    <a:schemeClr val="lt1"/>
+                  </a:solidFill>
+                  <a:latin typeface="Calibri"/>
+                  <a:ea typeface="Calibri"/>
+                  <a:cs typeface="Calibri"/>
+                  <a:sym typeface="Calibri"/>
+                </a:rPr>
+                <a:t>Effectively make decisions</a:t>
+              </a:r>
+              <a:endParaRPr/>
+            </a:p>
+          </p:txBody>
+        </p:sp>
+        <p:sp>
+          <p:nvSpPr>
+            <p:cNvPr id="174" name="Google Shape;174;p3"/>
+            <p:cNvSpPr/>
+            <p:nvPr/>
+          </p:nvSpPr>
+          <p:spPr>
+            <a:xfrm>
+              <a:off x="0" y="1877183"/>
+              <a:ext cx="6263640" cy="1750320"/>
+            </a:xfrm>
+            <a:prstGeom prst="roundRect">
+              <a:avLst>
+                <a:gd name="adj" fmla="val 16667"/>
+              </a:avLst>
+            </a:prstGeom>
+            <a:solidFill>
+              <a:srgbClr val="4CC38C"/>
+            </a:solidFill>
+            <a:ln w="12700" cap="flat" cmpd="sng">
+              <a:solidFill>
+                <a:schemeClr val="lt1"/>
+              </a:solidFill>
+              <a:prstDash val="solid"/>
+              <a:miter lim="800000"/>
+              <a:headEnd type="none" w="sm" len="sm"/>
+              <a:tailEnd type="none" w="sm" len="sm"/>
+            </a:ln>
+          </p:spPr>
+          <p:txBody>
+            <a:bodyPr spcFirstLastPara="1" wrap="square" lIns="91425" tIns="91425" rIns="91425" bIns="91425" anchor="ctr" anchorCtr="0">
+              <a:noAutofit/>
+            </a:bodyPr>
+            <a:lstStyle/>
+            <a:p>
+              <a:pPr marL="0" lvl="0" indent="0" algn="l" rtl="0">
+                <a:spcBef>
+                  <a:spcPts val="0"/>
+                </a:spcBef>
+                <a:spcAft>
+                  <a:spcPts val="0"/>
+                </a:spcAft>
+                <a:buNone/>
+              </a:pPr>
+              <a:endParaRPr/>
+            </a:p>
+          </p:txBody>
+        </p:sp>
+        <p:sp>
+          <p:nvSpPr>
+            <p:cNvPr id="175" name="Google Shape;175;p3"/>
+            <p:cNvSpPr txBox="1"/>
+            <p:nvPr/>
+          </p:nvSpPr>
+          <p:spPr>
+            <a:xfrm>
+              <a:off x="85444" y="1962627"/>
+              <a:ext cx="6092752" cy="1579432"/>
+            </a:xfrm>
+            <a:prstGeom prst="rect">
+              <a:avLst/>
+            </a:prstGeom>
+            <a:noFill/>
+            <a:ln>
+              <a:noFill/>
+            </a:ln>
+          </p:spPr>
+          <p:txBody>
+            <a:bodyPr spcFirstLastPara="1" wrap="square" lIns="167625" tIns="167625" rIns="167625" bIns="167625" anchor="ctr" anchorCtr="0">
+              <a:noAutofit/>
+            </a:bodyPr>
+            <a:lstStyle/>
+            <a:p>
+              <a:pPr marL="0" marR="0" lvl="0" indent="0" algn="l" rtl="0">
+                <a:lnSpc>
+                  <a:spcPct val="90000"/>
+                </a:lnSpc>
+                <a:spcBef>
+                  <a:spcPts val="0"/>
+                </a:spcBef>
+                <a:spcAft>
+                  <a:spcPts val="0"/>
+                </a:spcAft>
+                <a:buClr>
+                  <a:schemeClr val="lt1"/>
+                </a:buClr>
+                <a:buSzPts val="4400"/>
+                <a:buFont typeface="Calibri"/>
+                <a:buNone/>
+              </a:pPr>
+              <a:r>
+                <a:rPr lang="en-US" sz="4400" b="0" i="0" u="none" strike="noStrike" cap="none">
+                  <a:solidFill>
+                    <a:schemeClr val="lt1"/>
+                  </a:solidFill>
+                  <a:latin typeface="Calibri"/>
+                  <a:ea typeface="Calibri"/>
+                  <a:cs typeface="Calibri"/>
+                  <a:sym typeface="Calibri"/>
+                </a:rPr>
+                <a:t>Develop new revenue</a:t>
+              </a:r>
+              <a:endParaRPr/>
+            </a:p>
+          </p:txBody>
+        </p:sp>
+        <p:sp>
+          <p:nvSpPr>
+            <p:cNvPr id="176" name="Google Shape;176;p3"/>
+            <p:cNvSpPr/>
+            <p:nvPr/>
+          </p:nvSpPr>
+          <p:spPr>
+            <a:xfrm>
+              <a:off x="0" y="3754224"/>
+              <a:ext cx="6263640" cy="1750320"/>
+            </a:xfrm>
+            <a:prstGeom prst="roundRect">
+              <a:avLst>
+                <a:gd name="adj" fmla="val 16667"/>
+              </a:avLst>
+            </a:prstGeom>
+            <a:solidFill>
+              <a:srgbClr val="6FAB46"/>
+            </a:solidFill>
+            <a:ln w="12700" cap="flat" cmpd="sng">
+              <a:solidFill>
+                <a:schemeClr val="lt1"/>
+              </a:solidFill>
+              <a:prstDash val="solid"/>
+              <a:miter lim="800000"/>
+              <a:headEnd type="none" w="sm" len="sm"/>
+              <a:tailEnd type="none" w="sm" len="sm"/>
+            </a:ln>
+          </p:spPr>
+          <p:txBody>
+            <a:bodyPr spcFirstLastPara="1" wrap="square" lIns="91425" tIns="91425" rIns="91425" bIns="91425" anchor="ctr" anchorCtr="0">
+              <a:noAutofit/>
+            </a:bodyPr>
+            <a:lstStyle/>
+            <a:p>
+              <a:pPr marL="0" lvl="0" indent="0" algn="l" rtl="0">
+                <a:spcBef>
+                  <a:spcPts val="0"/>
+                </a:spcBef>
+                <a:spcAft>
+                  <a:spcPts val="0"/>
+                </a:spcAft>
+                <a:buNone/>
+              </a:pPr>
+              <a:endParaRPr/>
+            </a:p>
+          </p:txBody>
+        </p:sp>
+        <p:sp>
+          <p:nvSpPr>
+            <p:cNvPr id="177" name="Google Shape;177;p3"/>
+            <p:cNvSpPr txBox="1"/>
+            <p:nvPr/>
+          </p:nvSpPr>
+          <p:spPr>
+            <a:xfrm>
+              <a:off x="85444" y="3839668"/>
+              <a:ext cx="6092752" cy="1579432"/>
+            </a:xfrm>
+            <a:prstGeom prst="rect">
+              <a:avLst/>
+            </a:prstGeom>
+            <a:noFill/>
+            <a:ln>
+              <a:noFill/>
+            </a:ln>
+          </p:spPr>
+          <p:txBody>
+            <a:bodyPr spcFirstLastPara="1" wrap="square" lIns="167625" tIns="167625" rIns="167625" bIns="167625" anchor="ctr" anchorCtr="0">
+              <a:noAutofit/>
+            </a:bodyPr>
+            <a:lstStyle/>
+            <a:p>
+              <a:pPr marL="0" marR="0" lvl="0" indent="0" algn="l" rtl="0">
+                <a:lnSpc>
+                  <a:spcPct val="90000"/>
+                </a:lnSpc>
+                <a:spcBef>
+                  <a:spcPts val="0"/>
+                </a:spcBef>
+                <a:spcAft>
+                  <a:spcPts val="0"/>
+                </a:spcAft>
+                <a:buClr>
+                  <a:schemeClr val="lt1"/>
+                </a:buClr>
+                <a:buSzPts val="4400"/>
+                <a:buFont typeface="Calibri"/>
+                <a:buNone/>
+              </a:pPr>
+              <a:r>
+                <a:rPr lang="en-US" sz="4400" b="0" i="0" u="none" strike="noStrike" cap="none">
+                  <a:solidFill>
+                    <a:schemeClr val="lt1"/>
+                  </a:solidFill>
+                  <a:latin typeface="Calibri"/>
+                  <a:ea typeface="Calibri"/>
+                  <a:cs typeface="Calibri"/>
+                  <a:sym typeface="Calibri"/>
+                </a:rPr>
+                <a:t>Decrease Operational costs</a:t>
+              </a:r>
+              <a:endParaRPr/>
+            </a:p>
+          </p:txBody>
+        </p:sp>
+      </p:grpSp>
+      <p:sp>
+        <p:nvSpPr>
+          <p:cNvPr id="178" name="Google Shape;178;p3"/>
+          <p:cNvSpPr txBox="1"/>
+          <p:nvPr/>
+        </p:nvSpPr>
+        <p:spPr>
+          <a:xfrm>
+            <a:off x="167603" y="3400981"/>
+            <a:ext cx="4758000" cy="1569660"/>
+          </a:xfrm>
+          <a:prstGeom prst="rect">
+            <a:avLst/>
+          </a:prstGeom>
+          <a:noFill/>
+          <a:ln>
+            <a:noFill/>
+          </a:ln>
+        </p:spPr>
+        <p:txBody>
+          <a:bodyPr spcFirstLastPara="1" wrap="square" lIns="91425" tIns="45700" rIns="91425" bIns="45700" anchor="t" anchorCtr="0">
+            <a:spAutoFit/>
+          </a:bodyPr>
+          <a:lstStyle/>
+          <a:p>
+            <a:pPr marL="0" marR="0" lvl="0" indent="0" algn="l" rtl="0">
+              <a:spcBef>
+                <a:spcPts val="0"/>
+              </a:spcBef>
+              <a:spcAft>
+                <a:spcPts val="0"/>
+              </a:spcAft>
+              <a:buNone/>
+            </a:pPr>
+            <a:r>
+              <a:rPr lang="en-US" sz="3200" b="0" i="0" u="none" strike="noStrike" cap="none">
+                <a:solidFill>
+                  <a:schemeClr val="dk1"/>
+                </a:solidFill>
+                <a:latin typeface="Calibri"/>
+                <a:ea typeface="Calibri"/>
+                <a:cs typeface="Calibri"/>
+                <a:sym typeface="Calibri"/>
+              </a:rPr>
+              <a:t>Companies are looking for people who can maintain their data and analyze it to:</a:t>
+            </a:r>
+            <a:endParaRPr/>
+          </a:p>
+        </p:txBody>
+      </p:sp>
+    </p:spTree>
+  </p:cSld>
+  <p:clrMapOvr>
+    <a:masterClrMapping/>
+  </p:clrMapOvr>
+  <p:transition spd="slow">
+    <p:push/>
+  </p:transition>
+  <p:timing>
+    <p:tnLst>
+      <p:par>
+        <p:cTn id="1" dur="indefinite" restart="never" nodeType="tmRoot">
+          <p:childTnLst>
+            <p:seq concurrent="1" nextAc="seek">
+              <p:cTn id="2" dur="indefinite" nodeType="mainSeq">
+                <p:childTnLst>
+                  <p:par>
+                    <p:cTn id="3" fill="hold">
+                      <p:stCondLst>
+                        <p:cond delay="indefinite"/>
+                      </p:stCondLst>
+                      <p:childTnLst>
+                        <p:par>
+                          <p:cTn id="4" fill="hold">
+                            <p:stCondLst>
+                              <p:cond delay="0"/>
+                            </p:stCondLst>
+                            <p:childTnLst>
+                              <p:par>
+                                <p:cTn id="5" presetID="2" presetClass="entr" presetSubtype="4" fill="hold" nodeType="clickEffect">
+                                  <p:stCondLst>
+                                    <p:cond delay="0"/>
+                                  </p:stCondLst>
+                                  <p:childTnLst>
+                                    <p:set>
+                                      <p:cBhvr>
+                                        <p:cTn id="6" dur="1" fill="hold">
+                                          <p:stCondLst>
+                                            <p:cond delay="0"/>
+                                          </p:stCondLst>
+                                        </p:cTn>
+                                        <p:tgtEl>
+                                          <p:spTgt spid="170"/>
+                                        </p:tgtEl>
+                                        <p:attrNameLst>
+                                          <p:attrName>style.visibility</p:attrName>
+                                        </p:attrNameLst>
+                                      </p:cBhvr>
+                                      <p:to>
+                                        <p:strVal val="visible"/>
+                                      </p:to>
+                                    </p:set>
+                                    <p:anim calcmode="lin" valueType="num">
+                                      <p:cBhvr additive="base">
+                                        <p:cTn id="7" dur="500"/>
+                                        <p:tgtEl>
+                                          <p:spTgt spid="170"/>
+                                        </p:tgtEl>
+                                        <p:attrNameLst>
+                                          <p:attrName>ppt_y</p:attrName>
+                                        </p:attrNameLst>
+                                      </p:cBhvr>
+                                      <p:tavLst>
+                                        <p:tav tm="0">
+                                          <p:val>
+                                            <p:strVal val="#ppt_y+1"/>
+                                          </p:val>
+                                        </p:tav>
+                                        <p:tav tm="100000">
+                                          <p:val>
+                                            <p:strVal val="#ppt_y"/>
+                                          </p:val>
+                                        </p:tav>
+                                      </p:tavLst>
+                                    </p:anim>
+                                  </p:childTnLst>
+                                </p:cTn>
+                              </p:par>
+                            </p:childTnLst>
+                          </p:cTn>
+                        </p:par>
+                      </p:childTnLst>
+                    </p:cTn>
+                  </p:par>
+                  <p:par>
+                    <p:cTn id="8" fill="hold">
+                      <p:stCondLst>
+                        <p:cond delay="indefinite"/>
+                      </p:stCondLst>
+                      <p:childTnLst>
+                        <p:par>
+                          <p:cTn id="9" fill="hold">
+                            <p:stCondLst>
+                              <p:cond delay="0"/>
+                            </p:stCondLst>
+                            <p:childTnLst>
+                              <p:par>
+                                <p:cTn id="10" presetID="2" presetClass="entr" presetSubtype="4" fill="hold" nodeType="clickEffect">
+                                  <p:stCondLst>
+                                    <p:cond delay="0"/>
+                                  </p:stCondLst>
+                                  <p:childTnLst>
+                                    <p:set>
+                                      <p:cBhvr>
+                                        <p:cTn id="11" dur="1" fill="hold">
+                                          <p:stCondLst>
+                                            <p:cond delay="0"/>
+                                          </p:stCondLst>
+                                        </p:cTn>
+                                        <p:tgtEl>
+                                          <p:spTgt spid="178"/>
+                                        </p:tgtEl>
+                                        <p:attrNameLst>
+                                          <p:attrName>style.visibility</p:attrName>
+                                        </p:attrNameLst>
+                                      </p:cBhvr>
+                                      <p:to>
+                                        <p:strVal val="visible"/>
+                                      </p:to>
+                                    </p:set>
+                                    <p:anim calcmode="lin" valueType="num">
+                                      <p:cBhvr additive="base">
+                                        <p:cTn id="12" dur="500"/>
+                                        <p:tgtEl>
+                                          <p:spTgt spid="178"/>
+                                        </p:tgtEl>
+                                        <p:attrNameLst>
+                                          <p:attrName>ppt_y</p:attrName>
+                                        </p:attrNameLst>
+                                      </p:cBhvr>
+                                      <p:tavLst>
+                                        <p:tav tm="0">
+                                          <p:val>
+                                            <p:strVal val="#ppt_y+1"/>
+                                          </p:val>
+                                        </p:tav>
+                                        <p:tav tm="100000">
+                                          <p:val>
+                                            <p:strVal val="#ppt_y"/>
+                                          </p:val>
+                                        </p:tav>
+                                      </p:tavLst>
+                                    </p:anim>
+                                  </p:childTnLst>
+                                </p:cTn>
+                              </p:par>
+                            </p:childTnLst>
+                          </p:cTn>
+                        </p:par>
+                      </p:childTnLst>
+                    </p:cTn>
+                  </p:par>
+                </p:childTnLst>
+              </p:cTn>
+              <p:prevCondLst>
+                <p:cond evt="onPrev" delay="0">
+                  <p:tgtEl>
+                    <p:sldTgt/>
+                  </p:tgtEl>
+                </p:cond>
+              </p:prevCondLst>
+              <p:nextCondLst>
+                <p:cond evt="onNext" delay="0">
+                  <p:tgtEl>
+                    <p:sldTgt/>
+                  </p:tgtEl>
+                </p:cond>
+              </p:nextCondLst>
+            </p:seq>
+          </p:childTnLst>
+        </p:cTn>
+      </p:par>
+    </p:tnLst>
+  </p:timing>
+</p:sld>
+</file>
+
+<file path=ppt/slides/slide20.xml><?xml version="1.0" encoding="utf-8"?>
 <p:sld xmlns:a="http://schemas.openxmlformats.org/drawingml/2006/main" xmlns:r="http://schemas.openxmlformats.org/officeDocument/2006/relationships" xmlns:p="http://schemas.openxmlformats.org/presentationml/2006/main">
   <p:cSld>
     <p:spTree>
@@ -38030,714 +38928,7 @@
 </p:sld>
 </file>
 
-<file path=ppt/slides/slide2.xml><?xml version="1.0" encoding="utf-8"?>
-<p:sld xmlns:a="http://schemas.openxmlformats.org/drawingml/2006/main" xmlns:r="http://schemas.openxmlformats.org/officeDocument/2006/relationships" xmlns:p="http://schemas.openxmlformats.org/presentationml/2006/main">
-  <p:cSld>
-    <p:bg>
-      <p:bgPr>
-        <a:solidFill>
-          <a:schemeClr val="lt1"/>
-        </a:solidFill>
-        <a:effectLst/>
-      </p:bgPr>
-    </p:bg>
-    <p:spTree>
-      <p:nvGrpSpPr>
-        <p:cNvPr id="1" name="Shape 168"/>
-        <p:cNvGrpSpPr/>
-        <p:nvPr/>
-      </p:nvGrpSpPr>
-      <p:grpSpPr>
-        <a:xfrm>
-          <a:off x="0" y="0"/>
-          <a:ext cx="0" cy="0"/>
-          <a:chOff x="0" y="0"/>
-          <a:chExt cx="0" cy="0"/>
-        </a:xfrm>
-      </p:grpSpPr>
-      <p:sp>
-        <p:nvSpPr>
-          <p:cNvPr id="169" name="Google Shape;169;p3"/>
-          <p:cNvSpPr/>
-          <p:nvPr/>
-        </p:nvSpPr>
-        <p:spPr>
-          <a:xfrm>
-            <a:off x="-1" y="0"/>
-            <a:ext cx="5093209" cy="6858000"/>
-          </a:xfrm>
-          <a:prstGeom prst="rect">
-            <a:avLst/>
-          </a:prstGeom>
-          <a:solidFill>
-            <a:schemeClr val="accent1"/>
-          </a:solidFill>
-          <a:ln>
-            <a:noFill/>
-          </a:ln>
-        </p:spPr>
-        <p:txBody>
-          <a:bodyPr spcFirstLastPara="1" wrap="square" lIns="91425" tIns="45700" rIns="91425" bIns="45700" anchor="ctr" anchorCtr="0">
-            <a:noAutofit/>
-          </a:bodyPr>
-          <a:lstStyle/>
-          <a:p>
-            <a:pPr marL="0" marR="0" lvl="0" indent="0" algn="ctr" rtl="0">
-              <a:spcBef>
-                <a:spcPts val="0"/>
-              </a:spcBef>
-              <a:spcAft>
-                <a:spcPts val="0"/>
-              </a:spcAft>
-              <a:buNone/>
-            </a:pPr>
-            <a:endParaRPr sz="1800" b="0" i="0" u="none" strike="noStrike" cap="none">
-              <a:solidFill>
-                <a:schemeClr val="lt1"/>
-              </a:solidFill>
-              <a:latin typeface="Calibri"/>
-              <a:ea typeface="Calibri"/>
-              <a:cs typeface="Calibri"/>
-              <a:sym typeface="Calibri"/>
-            </a:endParaRPr>
-          </a:p>
-        </p:txBody>
-      </p:sp>
-      <p:sp>
-        <p:nvSpPr>
-          <p:cNvPr id="170" name="Google Shape;170;p3"/>
-          <p:cNvSpPr txBox="1">
-            <a:spLocks noGrp="1"/>
-          </p:cNvSpPr>
-          <p:nvPr>
-            <p:ph type="title"/>
-          </p:nvPr>
-        </p:nvSpPr>
-        <p:spPr>
-          <a:xfrm>
-            <a:off x="642469" y="168167"/>
-            <a:ext cx="3808268" cy="3260834"/>
-          </a:xfrm>
-          <a:prstGeom prst="rect">
-            <a:avLst/>
-          </a:prstGeom>
-          <a:noFill/>
-          <a:ln>
-            <a:noFill/>
-          </a:ln>
-        </p:spPr>
-        <p:txBody>
-          <a:bodyPr spcFirstLastPara="1" wrap="square" lIns="91425" tIns="45700" rIns="91425" bIns="45700" anchor="ctr" anchorCtr="0">
-            <a:normAutofit/>
-          </a:bodyPr>
-          <a:lstStyle/>
-          <a:p>
-            <a:pPr marL="0" lvl="0" indent="0" algn="l" rtl="0">
-              <a:lnSpc>
-                <a:spcPct val="90000"/>
-              </a:lnSpc>
-              <a:spcBef>
-                <a:spcPts val="0"/>
-              </a:spcBef>
-              <a:spcAft>
-                <a:spcPts val="0"/>
-              </a:spcAft>
-              <a:buClr>
-                <a:schemeClr val="lt1"/>
-              </a:buClr>
-              <a:buSzPts val="6000"/>
-              <a:buFont typeface="Calibri"/>
-              <a:buNone/>
-            </a:pPr>
-            <a:r>
-              <a:rPr lang="en-US" sz="6000" dirty="0">
-                <a:solidFill>
-                  <a:schemeClr val="lt1"/>
-                </a:solidFill>
-              </a:rPr>
-              <a:t>DAP is </a:t>
-            </a:r>
-            <a:r>
-              <a:rPr lang="en-US" sz="6000" b="1" u="sng" dirty="0">
-                <a:solidFill>
-                  <a:schemeClr val="lt1"/>
-                </a:solidFill>
-              </a:rPr>
-              <a:t>HOT</a:t>
-            </a:r>
-            <a:r>
-              <a:rPr lang="en-US" sz="6000" dirty="0">
-                <a:solidFill>
-                  <a:schemeClr val="lt1"/>
-                </a:solidFill>
-              </a:rPr>
-              <a:t> right now!</a:t>
-            </a:r>
-            <a:endParaRPr dirty="0"/>
-          </a:p>
-        </p:txBody>
-      </p:sp>
-      <p:grpSp>
-        <p:nvGrpSpPr>
-          <p:cNvPr id="171" name="Google Shape;171;p3"/>
-          <p:cNvGrpSpPr/>
-          <p:nvPr/>
-        </p:nvGrpSpPr>
-        <p:grpSpPr>
-          <a:xfrm>
-            <a:off x="5468389" y="620535"/>
-            <a:ext cx="6263640" cy="5504401"/>
-            <a:chOff x="0" y="143"/>
-            <a:chExt cx="6263640" cy="5504401"/>
-          </a:xfrm>
-        </p:grpSpPr>
-        <p:sp>
-          <p:nvSpPr>
-            <p:cNvPr id="172" name="Google Shape;172;p3"/>
-            <p:cNvSpPr/>
-            <p:nvPr/>
-          </p:nvSpPr>
-          <p:spPr>
-            <a:xfrm>
-              <a:off x="0" y="143"/>
-              <a:ext cx="6263640" cy="1750320"/>
-            </a:xfrm>
-            <a:prstGeom prst="roundRect">
-              <a:avLst>
-                <a:gd name="adj" fmla="val 16667"/>
-              </a:avLst>
-            </a:prstGeom>
-            <a:solidFill>
-              <a:srgbClr val="599BD5"/>
-            </a:solidFill>
-            <a:ln w="12700" cap="flat" cmpd="sng">
-              <a:solidFill>
-                <a:schemeClr val="lt1"/>
-              </a:solidFill>
-              <a:prstDash val="solid"/>
-              <a:miter lim="800000"/>
-              <a:headEnd type="none" w="sm" len="sm"/>
-              <a:tailEnd type="none" w="sm" len="sm"/>
-            </a:ln>
-          </p:spPr>
-          <p:txBody>
-            <a:bodyPr spcFirstLastPara="1" wrap="square" lIns="91425" tIns="91425" rIns="91425" bIns="91425" anchor="ctr" anchorCtr="0">
-              <a:noAutofit/>
-            </a:bodyPr>
-            <a:lstStyle/>
-            <a:p>
-              <a:pPr marL="0" lvl="0" indent="0" algn="l" rtl="0">
-                <a:spcBef>
-                  <a:spcPts val="0"/>
-                </a:spcBef>
-                <a:spcAft>
-                  <a:spcPts val="0"/>
-                </a:spcAft>
-                <a:buNone/>
-              </a:pPr>
-              <a:endParaRPr/>
-            </a:p>
-          </p:txBody>
-        </p:sp>
-        <p:sp>
-          <p:nvSpPr>
-            <p:cNvPr id="173" name="Google Shape;173;p3"/>
-            <p:cNvSpPr txBox="1"/>
-            <p:nvPr/>
-          </p:nvSpPr>
-          <p:spPr>
-            <a:xfrm>
-              <a:off x="85444" y="85587"/>
-              <a:ext cx="6092752" cy="1579432"/>
-            </a:xfrm>
-            <a:prstGeom prst="rect">
-              <a:avLst/>
-            </a:prstGeom>
-            <a:noFill/>
-            <a:ln>
-              <a:noFill/>
-            </a:ln>
-          </p:spPr>
-          <p:txBody>
-            <a:bodyPr spcFirstLastPara="1" wrap="square" lIns="167625" tIns="167625" rIns="167625" bIns="167625" anchor="ctr" anchorCtr="0">
-              <a:noAutofit/>
-            </a:bodyPr>
-            <a:lstStyle/>
-            <a:p>
-              <a:pPr marL="0" marR="0" lvl="0" indent="0" algn="l" rtl="0">
-                <a:lnSpc>
-                  <a:spcPct val="90000"/>
-                </a:lnSpc>
-                <a:spcBef>
-                  <a:spcPts val="0"/>
-                </a:spcBef>
-                <a:spcAft>
-                  <a:spcPts val="0"/>
-                </a:spcAft>
-                <a:buClr>
-                  <a:schemeClr val="lt1"/>
-                </a:buClr>
-                <a:buSzPts val="4400"/>
-                <a:buFont typeface="Calibri"/>
-                <a:buNone/>
-              </a:pPr>
-              <a:r>
-                <a:rPr lang="en-US" sz="4400" b="0" i="0" u="none" strike="noStrike" cap="none">
-                  <a:solidFill>
-                    <a:schemeClr val="lt1"/>
-                  </a:solidFill>
-                  <a:latin typeface="Calibri"/>
-                  <a:ea typeface="Calibri"/>
-                  <a:cs typeface="Calibri"/>
-                  <a:sym typeface="Calibri"/>
-                </a:rPr>
-                <a:t>Effectively make decisions</a:t>
-              </a:r>
-              <a:endParaRPr/>
-            </a:p>
-          </p:txBody>
-        </p:sp>
-        <p:sp>
-          <p:nvSpPr>
-            <p:cNvPr id="174" name="Google Shape;174;p3"/>
-            <p:cNvSpPr/>
-            <p:nvPr/>
-          </p:nvSpPr>
-          <p:spPr>
-            <a:xfrm>
-              <a:off x="0" y="1877183"/>
-              <a:ext cx="6263640" cy="1750320"/>
-            </a:xfrm>
-            <a:prstGeom prst="roundRect">
-              <a:avLst>
-                <a:gd name="adj" fmla="val 16667"/>
-              </a:avLst>
-            </a:prstGeom>
-            <a:solidFill>
-              <a:srgbClr val="4CC38C"/>
-            </a:solidFill>
-            <a:ln w="12700" cap="flat" cmpd="sng">
-              <a:solidFill>
-                <a:schemeClr val="lt1"/>
-              </a:solidFill>
-              <a:prstDash val="solid"/>
-              <a:miter lim="800000"/>
-              <a:headEnd type="none" w="sm" len="sm"/>
-              <a:tailEnd type="none" w="sm" len="sm"/>
-            </a:ln>
-          </p:spPr>
-          <p:txBody>
-            <a:bodyPr spcFirstLastPara="1" wrap="square" lIns="91425" tIns="91425" rIns="91425" bIns="91425" anchor="ctr" anchorCtr="0">
-              <a:noAutofit/>
-            </a:bodyPr>
-            <a:lstStyle/>
-            <a:p>
-              <a:pPr marL="0" lvl="0" indent="0" algn="l" rtl="0">
-                <a:spcBef>
-                  <a:spcPts val="0"/>
-                </a:spcBef>
-                <a:spcAft>
-                  <a:spcPts val="0"/>
-                </a:spcAft>
-                <a:buNone/>
-              </a:pPr>
-              <a:endParaRPr/>
-            </a:p>
-          </p:txBody>
-        </p:sp>
-        <p:sp>
-          <p:nvSpPr>
-            <p:cNvPr id="175" name="Google Shape;175;p3"/>
-            <p:cNvSpPr txBox="1"/>
-            <p:nvPr/>
-          </p:nvSpPr>
-          <p:spPr>
-            <a:xfrm>
-              <a:off x="85444" y="1962627"/>
-              <a:ext cx="6092752" cy="1579432"/>
-            </a:xfrm>
-            <a:prstGeom prst="rect">
-              <a:avLst/>
-            </a:prstGeom>
-            <a:noFill/>
-            <a:ln>
-              <a:noFill/>
-            </a:ln>
-          </p:spPr>
-          <p:txBody>
-            <a:bodyPr spcFirstLastPara="1" wrap="square" lIns="167625" tIns="167625" rIns="167625" bIns="167625" anchor="ctr" anchorCtr="0">
-              <a:noAutofit/>
-            </a:bodyPr>
-            <a:lstStyle/>
-            <a:p>
-              <a:pPr marL="0" marR="0" lvl="0" indent="0" algn="l" rtl="0">
-                <a:lnSpc>
-                  <a:spcPct val="90000"/>
-                </a:lnSpc>
-                <a:spcBef>
-                  <a:spcPts val="0"/>
-                </a:spcBef>
-                <a:spcAft>
-                  <a:spcPts val="0"/>
-                </a:spcAft>
-                <a:buClr>
-                  <a:schemeClr val="lt1"/>
-                </a:buClr>
-                <a:buSzPts val="4400"/>
-                <a:buFont typeface="Calibri"/>
-                <a:buNone/>
-              </a:pPr>
-              <a:r>
-                <a:rPr lang="en-US" sz="4400" b="0" i="0" u="none" strike="noStrike" cap="none">
-                  <a:solidFill>
-                    <a:schemeClr val="lt1"/>
-                  </a:solidFill>
-                  <a:latin typeface="Calibri"/>
-                  <a:ea typeface="Calibri"/>
-                  <a:cs typeface="Calibri"/>
-                  <a:sym typeface="Calibri"/>
-                </a:rPr>
-                <a:t>Develop new revenue</a:t>
-              </a:r>
-              <a:endParaRPr/>
-            </a:p>
-          </p:txBody>
-        </p:sp>
-        <p:sp>
-          <p:nvSpPr>
-            <p:cNvPr id="176" name="Google Shape;176;p3"/>
-            <p:cNvSpPr/>
-            <p:nvPr/>
-          </p:nvSpPr>
-          <p:spPr>
-            <a:xfrm>
-              <a:off x="0" y="3754224"/>
-              <a:ext cx="6263640" cy="1750320"/>
-            </a:xfrm>
-            <a:prstGeom prst="roundRect">
-              <a:avLst>
-                <a:gd name="adj" fmla="val 16667"/>
-              </a:avLst>
-            </a:prstGeom>
-            <a:solidFill>
-              <a:srgbClr val="6FAB46"/>
-            </a:solidFill>
-            <a:ln w="12700" cap="flat" cmpd="sng">
-              <a:solidFill>
-                <a:schemeClr val="lt1"/>
-              </a:solidFill>
-              <a:prstDash val="solid"/>
-              <a:miter lim="800000"/>
-              <a:headEnd type="none" w="sm" len="sm"/>
-              <a:tailEnd type="none" w="sm" len="sm"/>
-            </a:ln>
-          </p:spPr>
-          <p:txBody>
-            <a:bodyPr spcFirstLastPara="1" wrap="square" lIns="91425" tIns="91425" rIns="91425" bIns="91425" anchor="ctr" anchorCtr="0">
-              <a:noAutofit/>
-            </a:bodyPr>
-            <a:lstStyle/>
-            <a:p>
-              <a:pPr marL="0" lvl="0" indent="0" algn="l" rtl="0">
-                <a:spcBef>
-                  <a:spcPts val="0"/>
-                </a:spcBef>
-                <a:spcAft>
-                  <a:spcPts val="0"/>
-                </a:spcAft>
-                <a:buNone/>
-              </a:pPr>
-              <a:endParaRPr/>
-            </a:p>
-          </p:txBody>
-        </p:sp>
-        <p:sp>
-          <p:nvSpPr>
-            <p:cNvPr id="177" name="Google Shape;177;p3"/>
-            <p:cNvSpPr txBox="1"/>
-            <p:nvPr/>
-          </p:nvSpPr>
-          <p:spPr>
-            <a:xfrm>
-              <a:off x="85444" y="3839668"/>
-              <a:ext cx="6092752" cy="1579432"/>
-            </a:xfrm>
-            <a:prstGeom prst="rect">
-              <a:avLst/>
-            </a:prstGeom>
-            <a:noFill/>
-            <a:ln>
-              <a:noFill/>
-            </a:ln>
-          </p:spPr>
-          <p:txBody>
-            <a:bodyPr spcFirstLastPara="1" wrap="square" lIns="167625" tIns="167625" rIns="167625" bIns="167625" anchor="ctr" anchorCtr="0">
-              <a:noAutofit/>
-            </a:bodyPr>
-            <a:lstStyle/>
-            <a:p>
-              <a:pPr marL="0" marR="0" lvl="0" indent="0" algn="l" rtl="0">
-                <a:lnSpc>
-                  <a:spcPct val="90000"/>
-                </a:lnSpc>
-                <a:spcBef>
-                  <a:spcPts val="0"/>
-                </a:spcBef>
-                <a:spcAft>
-                  <a:spcPts val="0"/>
-                </a:spcAft>
-                <a:buClr>
-                  <a:schemeClr val="lt1"/>
-                </a:buClr>
-                <a:buSzPts val="4400"/>
-                <a:buFont typeface="Calibri"/>
-                <a:buNone/>
-              </a:pPr>
-              <a:r>
-                <a:rPr lang="en-US" sz="4400" b="0" i="0" u="none" strike="noStrike" cap="none">
-                  <a:solidFill>
-                    <a:schemeClr val="lt1"/>
-                  </a:solidFill>
-                  <a:latin typeface="Calibri"/>
-                  <a:ea typeface="Calibri"/>
-                  <a:cs typeface="Calibri"/>
-                  <a:sym typeface="Calibri"/>
-                </a:rPr>
-                <a:t>Decrease Operational costs</a:t>
-              </a:r>
-              <a:endParaRPr/>
-            </a:p>
-          </p:txBody>
-        </p:sp>
-      </p:grpSp>
-      <p:sp>
-        <p:nvSpPr>
-          <p:cNvPr id="178" name="Google Shape;178;p3"/>
-          <p:cNvSpPr txBox="1"/>
-          <p:nvPr/>
-        </p:nvSpPr>
-        <p:spPr>
-          <a:xfrm>
-            <a:off x="167603" y="3400981"/>
-            <a:ext cx="4758000" cy="1569660"/>
-          </a:xfrm>
-          <a:prstGeom prst="rect">
-            <a:avLst/>
-          </a:prstGeom>
-          <a:noFill/>
-          <a:ln>
-            <a:noFill/>
-          </a:ln>
-        </p:spPr>
-        <p:txBody>
-          <a:bodyPr spcFirstLastPara="1" wrap="square" lIns="91425" tIns="45700" rIns="91425" bIns="45700" anchor="t" anchorCtr="0">
-            <a:spAutoFit/>
-          </a:bodyPr>
-          <a:lstStyle/>
-          <a:p>
-            <a:pPr marL="0" marR="0" lvl="0" indent="0" algn="l" rtl="0">
-              <a:spcBef>
-                <a:spcPts val="0"/>
-              </a:spcBef>
-              <a:spcAft>
-                <a:spcPts val="0"/>
-              </a:spcAft>
-              <a:buNone/>
-            </a:pPr>
-            <a:r>
-              <a:rPr lang="en-US" sz="3200" b="0" i="0" u="none" strike="noStrike" cap="none">
-                <a:solidFill>
-                  <a:schemeClr val="dk1"/>
-                </a:solidFill>
-                <a:latin typeface="Calibri"/>
-                <a:ea typeface="Calibri"/>
-                <a:cs typeface="Calibri"/>
-                <a:sym typeface="Calibri"/>
-              </a:rPr>
-              <a:t>Companies are looking for people who can maintain their data and analyze it to:</a:t>
-            </a:r>
-            <a:endParaRPr/>
-          </a:p>
-        </p:txBody>
-      </p:sp>
-    </p:spTree>
-  </p:cSld>
-  <p:clrMapOvr>
-    <a:masterClrMapping/>
-  </p:clrMapOvr>
-  <p:transition spd="slow">
-    <p:push/>
-  </p:transition>
-  <p:timing>
-    <p:tnLst>
-      <p:par>
-        <p:cTn id="1" dur="indefinite" restart="never" nodeType="tmRoot">
-          <p:childTnLst>
-            <p:seq concurrent="1" nextAc="seek">
-              <p:cTn id="2" dur="indefinite" nodeType="mainSeq">
-                <p:childTnLst>
-                  <p:par>
-                    <p:cTn id="3" fill="hold">
-                      <p:stCondLst>
-                        <p:cond delay="indefinite"/>
-                      </p:stCondLst>
-                      <p:childTnLst>
-                        <p:par>
-                          <p:cTn id="4" fill="hold">
-                            <p:stCondLst>
-                              <p:cond delay="0"/>
-                            </p:stCondLst>
-                            <p:childTnLst>
-                              <p:par>
-                                <p:cTn id="5" presetID="2" presetClass="entr" presetSubtype="4" fill="hold" nodeType="clickEffect">
-                                  <p:stCondLst>
-                                    <p:cond delay="0"/>
-                                  </p:stCondLst>
-                                  <p:childTnLst>
-                                    <p:set>
-                                      <p:cBhvr>
-                                        <p:cTn id="6" dur="1" fill="hold">
-                                          <p:stCondLst>
-                                            <p:cond delay="0"/>
-                                          </p:stCondLst>
-                                        </p:cTn>
-                                        <p:tgtEl>
-                                          <p:spTgt spid="170"/>
-                                        </p:tgtEl>
-                                        <p:attrNameLst>
-                                          <p:attrName>style.visibility</p:attrName>
-                                        </p:attrNameLst>
-                                      </p:cBhvr>
-                                      <p:to>
-                                        <p:strVal val="visible"/>
-                                      </p:to>
-                                    </p:set>
-                                    <p:anim calcmode="lin" valueType="num">
-                                      <p:cBhvr additive="base">
-                                        <p:cTn id="7" dur="500"/>
-                                        <p:tgtEl>
-                                          <p:spTgt spid="170"/>
-                                        </p:tgtEl>
-                                        <p:attrNameLst>
-                                          <p:attrName>ppt_y</p:attrName>
-                                        </p:attrNameLst>
-                                      </p:cBhvr>
-                                      <p:tavLst>
-                                        <p:tav tm="0">
-                                          <p:val>
-                                            <p:strVal val="#ppt_y+1"/>
-                                          </p:val>
-                                        </p:tav>
-                                        <p:tav tm="100000">
-                                          <p:val>
-                                            <p:strVal val="#ppt_y"/>
-                                          </p:val>
-                                        </p:tav>
-                                      </p:tavLst>
-                                    </p:anim>
-                                  </p:childTnLst>
-                                </p:cTn>
-                              </p:par>
-                            </p:childTnLst>
-                          </p:cTn>
-                        </p:par>
-                      </p:childTnLst>
-                    </p:cTn>
-                  </p:par>
-                  <p:par>
-                    <p:cTn id="8" fill="hold">
-                      <p:stCondLst>
-                        <p:cond delay="indefinite"/>
-                      </p:stCondLst>
-                      <p:childTnLst>
-                        <p:par>
-                          <p:cTn id="9" fill="hold">
-                            <p:stCondLst>
-                              <p:cond delay="0"/>
-                            </p:stCondLst>
-                            <p:childTnLst>
-                              <p:par>
-                                <p:cTn id="10" presetID="2" presetClass="entr" presetSubtype="4" fill="hold" nodeType="clickEffect">
-                                  <p:stCondLst>
-                                    <p:cond delay="0"/>
-                                  </p:stCondLst>
-                                  <p:childTnLst>
-                                    <p:set>
-                                      <p:cBhvr>
-                                        <p:cTn id="11" dur="1" fill="hold">
-                                          <p:stCondLst>
-                                            <p:cond delay="0"/>
-                                          </p:stCondLst>
-                                        </p:cTn>
-                                        <p:tgtEl>
-                                          <p:spTgt spid="178"/>
-                                        </p:tgtEl>
-                                        <p:attrNameLst>
-                                          <p:attrName>style.visibility</p:attrName>
-                                        </p:attrNameLst>
-                                      </p:cBhvr>
-                                      <p:to>
-                                        <p:strVal val="visible"/>
-                                      </p:to>
-                                    </p:set>
-                                    <p:anim calcmode="lin" valueType="num">
-                                      <p:cBhvr additive="base">
-                                        <p:cTn id="12" dur="500"/>
-                                        <p:tgtEl>
-                                          <p:spTgt spid="178"/>
-                                        </p:tgtEl>
-                                        <p:attrNameLst>
-                                          <p:attrName>ppt_y</p:attrName>
-                                        </p:attrNameLst>
-                                      </p:cBhvr>
-                                      <p:tavLst>
-                                        <p:tav tm="0">
-                                          <p:val>
-                                            <p:strVal val="#ppt_y+1"/>
-                                          </p:val>
-                                        </p:tav>
-                                        <p:tav tm="100000">
-                                          <p:val>
-                                            <p:strVal val="#ppt_y"/>
-                                          </p:val>
-                                        </p:tav>
-                                      </p:tavLst>
-                                    </p:anim>
-                                  </p:childTnLst>
-                                </p:cTn>
-                              </p:par>
-                            </p:childTnLst>
-                          </p:cTn>
-                        </p:par>
-                      </p:childTnLst>
-                    </p:cTn>
-                  </p:par>
-                </p:childTnLst>
-              </p:cTn>
-              <p:prevCondLst>
-                <p:cond evt="onPrev" delay="0">
-                  <p:tgtEl>
-                    <p:sldTgt/>
-                  </p:tgtEl>
-                </p:cond>
-              </p:prevCondLst>
-              <p:nextCondLst>
-                <p:cond evt="onNext" delay="0">
-                  <p:tgtEl>
-                    <p:sldTgt/>
-                  </p:tgtEl>
-                </p:cond>
-              </p:nextCondLst>
-            </p:seq>
-          </p:childTnLst>
-        </p:cTn>
-      </p:par>
-    </p:tnLst>
-  </p:timing>
-</p:sld>
-</file>
-
-<file path=ppt/slides/slide20.xml><?xml version="1.0" encoding="utf-8"?>
+<file path=ppt/slides/slide21.xml><?xml version="1.0" encoding="utf-8"?>
 <p:sld xmlns:a="http://schemas.openxmlformats.org/drawingml/2006/main" xmlns:r="http://schemas.openxmlformats.org/officeDocument/2006/relationships" xmlns:p="http://schemas.openxmlformats.org/presentationml/2006/main">
   <p:cSld>
     <p:bg>

--- a/Section02/2.2-IntroToDataAnalytics.pptx
+++ b/Section02/2.2-IntroToDataAnalytics.pptx
@@ -1,6 +1,6 @@
 
 <file path=ppt/presentation.xml><?xml version="1.0" encoding="utf-8"?>
-<p:presentation xmlns:a="http://schemas.openxmlformats.org/drawingml/2006/main" xmlns:r="http://schemas.openxmlformats.org/officeDocument/2006/relationships" xmlns:p="http://schemas.openxmlformats.org/presentationml/2006/main" strictFirstAndLastChars="0" embedTrueTypeFonts="1" saveSubsetFonts="1" autoCompressPictures="0">
+<p:presentation xmlns:a="http://schemas.openxmlformats.org/drawingml/2006/main" xmlns:r="http://schemas.openxmlformats.org/officeDocument/2006/relationships" xmlns:p="http://schemas.openxmlformats.org/presentationml/2006/main" showSpecialPlsOnTitleSld="0" strictFirstAndLastChars="0" embedTrueTypeFonts="1" saveSubsetFonts="1" autoCompressPictures="0">
   <p:sldMasterIdLst>
     <p:sldMasterId id="2147483648" r:id="rId1"/>
     <p:sldMasterId id="2147483660" r:id="rId2"/>
@@ -298,7 +298,7 @@
       <p15:sldGuideLst xmlns:p15="http://schemas.microsoft.com/office/powerpoint/2012/main"/>
     </p:ext>
     <p:ext uri="http://customooxmlschemas.google.com/">
-      <go:slidesCustomData xmlns:go="http://customooxmlschemas.google.com/" xmlns:ahyp="http://schemas.microsoft.com/office/drawing/2018/hyperlinkcolor" xmlns:p15="http://schemas.microsoft.com/office/powerpoint/2012/main" xmlns:p14="http://schemas.microsoft.com/office/powerpoint/2010/main" xmlns:com="http://schemas.openxmlformats.org/drawingml/2006/compatibility" xmlns:pvml="urn:schemas-microsoft-com:office:powerpoint" xmlns:v="urn:schemas-microsoft-com:vml" xmlns:o="urn:schemas-microsoft-com:office:office" xmlns:dgm="http://schemas.openxmlformats.org/drawingml/2006/diagram" xmlns:c="http://schemas.openxmlformats.org/drawingml/2006/chart" xmlns:mv="urn:schemas-microsoft-com:mac:vml" xmlns:mc="http://schemas.openxmlformats.org/markup-compatibility/2006" xmlns="" r:id="rId53" roundtripDataSignature="AMtx7mibhW5gNs+yuMwXsrTAHjBGwJpiUg=="/>
+      <go:slidesCustomData xmlns="" xmlns:mc="http://schemas.openxmlformats.org/markup-compatibility/2006" xmlns:mv="urn:schemas-microsoft-com:mac:vml" xmlns:c="http://schemas.openxmlformats.org/drawingml/2006/chart" xmlns:dgm="http://schemas.openxmlformats.org/drawingml/2006/diagram" xmlns:o="urn:schemas-microsoft-com:office:office" xmlns:v="urn:schemas-microsoft-com:vml" xmlns:pvml="urn:schemas-microsoft-com:office:powerpoint" xmlns:com="http://schemas.openxmlformats.org/drawingml/2006/compatibility" xmlns:p14="http://schemas.microsoft.com/office/powerpoint/2010/main" xmlns:p15="http://schemas.microsoft.com/office/powerpoint/2012/main" xmlns:ahyp="http://schemas.microsoft.com/office/drawing/2018/hyperlinkcolor" xmlns:go="http://customooxmlschemas.google.com/" r:id="rId53" roundtripDataSignature="AMtx7mibhW5gNs+yuMwXsrTAHjBGwJpiUg=="/>
     </p:ext>
   </p:extLst>
 </p:presentation>
@@ -3105,6 +3105,10 @@
             </a:lvl9pPr>
           </a:lstStyle>
           <a:p>
+            <a:fld id="{1A384C6F-BB22-4A3C-A2D7-50D1DCDDE548}" type="datetime1">
+              <a:rPr lang="en-US" smtClean="0"/>
+              <a:t>10/19/2022</a:t>
+            </a:fld>
             <a:endParaRPr/>
           </a:p>
         </p:txBody>
@@ -3835,6 +3839,10 @@
             </a:lvl9pPr>
           </a:lstStyle>
           <a:p>
+            <a:fld id="{A8B646A0-D787-4695-A028-A9417FDB38F2}" type="datetime1">
+              <a:rPr lang="en-US" smtClean="0"/>
+              <a:t>10/19/2022</a:t>
+            </a:fld>
             <a:endParaRPr/>
           </a:p>
         </p:txBody>
@@ -4565,6 +4573,10 @@
             </a:lvl9pPr>
           </a:lstStyle>
           <a:p>
+            <a:fld id="{5670054D-EB0B-42CB-915B-C547789AC131}" type="datetime1">
+              <a:rPr lang="en-US" smtClean="0"/>
+              <a:t>10/19/2022</a:t>
+            </a:fld>
             <a:endParaRPr/>
           </a:p>
         </p:txBody>
@@ -5280,6 +5292,10 @@
             </a:lvl9pPr>
           </a:lstStyle>
           <a:p>
+            <a:fld id="{7C6C6C5B-1FA4-45D0-925E-30E5FCC9EFAD}" type="datetime1">
+              <a:rPr lang="en-US" smtClean="0"/>
+              <a:t>10/19/2022</a:t>
+            </a:fld>
             <a:endParaRPr/>
           </a:p>
         </p:txBody>
@@ -6519,6 +6535,10 @@
             </a:lvl9pPr>
           </a:lstStyle>
           <a:p>
+            <a:fld id="{D2D48451-BA97-490D-A511-11795FC7651E}" type="datetime1">
+              <a:rPr lang="en-US" smtClean="0"/>
+              <a:t>10/19/2022</a:t>
+            </a:fld>
             <a:endParaRPr/>
           </a:p>
         </p:txBody>
@@ -7455,6 +7475,10 @@
             </a:lvl9pPr>
           </a:lstStyle>
           <a:p>
+            <a:fld id="{6B7713F9-7070-4954-9C50-B96E0C28F3E4}" type="datetime1">
+              <a:rPr lang="en-US" smtClean="0"/>
+              <a:t>10/19/2022</a:t>
+            </a:fld>
             <a:endParaRPr/>
           </a:p>
         </p:txBody>
@@ -8365,6 +8389,10 @@
             </a:lvl9pPr>
           </a:lstStyle>
           <a:p>
+            <a:fld id="{A0EF8C71-106B-4532-B7DE-2EE381BB6C4D}" type="datetime1">
+              <a:rPr lang="en-US" smtClean="0"/>
+              <a:t>10/19/2022</a:t>
+            </a:fld>
             <a:endParaRPr/>
           </a:p>
         </p:txBody>
@@ -8908,6 +8936,10 @@
             </a:lvl9pPr>
           </a:lstStyle>
           <a:p>
+            <a:fld id="{516A2D65-5420-4DF0-AD07-ADA51AF0BC9A}" type="datetime1">
+              <a:rPr lang="en-US" smtClean="0"/>
+              <a:t>10/19/2022</a:t>
+            </a:fld>
             <a:endParaRPr/>
           </a:p>
         </p:txBody>
@@ -9352,6 +9384,10 @@
             </a:lvl9pPr>
           </a:lstStyle>
           <a:p>
+            <a:fld id="{C26E9BCB-29D3-4AE9-8DEF-8769D5E69D88}" type="datetime1">
+              <a:rPr lang="en-US" smtClean="0"/>
+              <a:t>10/19/2022</a:t>
+            </a:fld>
             <a:endParaRPr/>
           </a:p>
         </p:txBody>
@@ -10067,6 +10103,10 @@
             </a:lvl9pPr>
           </a:lstStyle>
           <a:p>
+            <a:fld id="{D56E8C30-E133-41E9-A54E-DE8CF2E9B472}" type="datetime1">
+              <a:rPr lang="en-US" smtClean="0"/>
+              <a:t>10/19/2022</a:t>
+            </a:fld>
             <a:endParaRPr/>
           </a:p>
         </p:txBody>
@@ -10822,6 +10862,10 @@
             </a:lvl9pPr>
           </a:lstStyle>
           <a:p>
+            <a:fld id="{31C55549-BF9E-4007-9E52-A6ECAC8B7AB4}" type="datetime1">
+              <a:rPr lang="en-US" smtClean="0"/>
+              <a:t>10/19/2022</a:t>
+            </a:fld>
             <a:endParaRPr/>
           </a:p>
         </p:txBody>
@@ -11552,6 +11596,10 @@
             </a:lvl9pPr>
           </a:lstStyle>
           <a:p>
+            <a:fld id="{0EF674B9-51F0-4527-9077-69AD0F5EEB08}" type="datetime1">
+              <a:rPr lang="en-US" smtClean="0"/>
+              <a:t>10/19/2022</a:t>
+            </a:fld>
             <a:endParaRPr/>
           </a:p>
         </p:txBody>
@@ -12283,6 +12331,10 @@
             </a:lvl9pPr>
           </a:lstStyle>
           <a:p>
+            <a:fld id="{F4A42A92-5288-4BF9-8D2E-974C439B7D2A}" type="datetime1">
+              <a:rPr lang="en-US" smtClean="0"/>
+              <a:t>10/19/2022</a:t>
+            </a:fld>
             <a:endParaRPr/>
           </a:p>
         </p:txBody>
@@ -13588,6 +13640,10 @@
             </a:lvl9pPr>
           </a:lstStyle>
           <a:p>
+            <a:fld id="{C0A992D9-B5DA-4F43-9B73-4C7504C3E826}" type="datetime1">
+              <a:rPr lang="en-US" smtClean="0"/>
+              <a:t>10/19/2022</a:t>
+            </a:fld>
             <a:endParaRPr/>
           </a:p>
         </p:txBody>
@@ -14332,6 +14388,10 @@
             </a:lvl9pPr>
           </a:lstStyle>
           <a:p>
+            <a:fld id="{15718F98-BE43-4B4A-9CC8-74D7DF38D572}" type="datetime1">
+              <a:rPr lang="en-US" smtClean="0"/>
+              <a:t>10/19/2022</a:t>
+            </a:fld>
             <a:endParaRPr/>
           </a:p>
         </p:txBody>
@@ -15113,6 +15173,10 @@
             </a:lvl9pPr>
           </a:lstStyle>
           <a:p>
+            <a:fld id="{81BE5630-2E6B-4C8F-8170-EB24E68C6294}" type="datetime1">
+              <a:rPr lang="en-US" smtClean="0"/>
+              <a:t>10/19/2022</a:t>
+            </a:fld>
             <a:endParaRPr/>
           </a:p>
         </p:txBody>
@@ -16044,6 +16108,10 @@
             </a:lvl9pPr>
           </a:lstStyle>
           <a:p>
+            <a:fld id="{520C70CF-A88E-4E95-9772-011907F00BB7}" type="datetime1">
+              <a:rPr lang="en-US" smtClean="0"/>
+              <a:t>10/19/2022</a:t>
+            </a:fld>
             <a:endParaRPr/>
           </a:p>
         </p:txBody>
@@ -16601,6 +16669,10 @@
             </a:lvl9pPr>
           </a:lstStyle>
           <a:p>
+            <a:fld id="{22861045-8D1B-4388-90FE-54FEF49BC190}" type="datetime1">
+              <a:rPr lang="en-US" smtClean="0"/>
+              <a:t>10/19/2022</a:t>
+            </a:fld>
             <a:endParaRPr/>
           </a:p>
         </p:txBody>
@@ -17019,6 +17091,10 @@
             </a:lvl9pPr>
           </a:lstStyle>
           <a:p>
+            <a:fld id="{56982528-5255-4966-8DD6-B5CF1CE7C994}" type="datetime1">
+              <a:rPr lang="en-US" smtClean="0"/>
+              <a:t>10/19/2022</a:t>
+            </a:fld>
             <a:endParaRPr/>
           </a:p>
         </p:txBody>
@@ -17951,6 +18027,10 @@
             </a:lvl9pPr>
           </a:lstStyle>
           <a:p>
+            <a:fld id="{09279798-6818-497D-811B-E6FCBB4A98F5}" type="datetime1">
+              <a:rPr lang="en-US" smtClean="0"/>
+              <a:t>10/19/2022</a:t>
+            </a:fld>
             <a:endParaRPr/>
           </a:p>
         </p:txBody>
@@ -18720,6 +18800,10 @@
             </a:lvl9pPr>
           </a:lstStyle>
           <a:p>
+            <a:fld id="{3C12BDA8-5056-4AAF-ADC0-68985DBD4F84}" type="datetime1">
+              <a:rPr lang="en-US" smtClean="0"/>
+              <a:t>10/19/2022</a:t>
+            </a:fld>
             <a:endParaRPr/>
           </a:p>
         </p:txBody>
@@ -19464,6 +19548,10 @@
             </a:lvl9pPr>
           </a:lstStyle>
           <a:p>
+            <a:fld id="{5170DA92-8024-459F-94DE-1C66CD2A53DF}" type="datetime1">
+              <a:rPr lang="en-US" smtClean="0"/>
+              <a:t>10/19/2022</a:t>
+            </a:fld>
             <a:endParaRPr/>
           </a:p>
         </p:txBody>
@@ -20245,6 +20333,10 @@
             </a:lvl9pPr>
           </a:lstStyle>
           <a:p>
+            <a:fld id="{200BB4E3-6AFE-4E7B-ADF8-0E11734291DF}" type="datetime1">
+              <a:rPr lang="en-US" smtClean="0"/>
+              <a:t>10/19/2022</a:t>
+            </a:fld>
             <a:endParaRPr/>
           </a:p>
         </p:txBody>
@@ -20975,6 +21067,10 @@
             </a:lvl9pPr>
           </a:lstStyle>
           <a:p>
+            <a:fld id="{EC054FAB-5D7F-4D6A-AE88-8CC739FC60FE}" type="datetime1">
+              <a:rPr lang="en-US" smtClean="0"/>
+              <a:t>10/19/2022</a:t>
+            </a:fld>
             <a:endParaRPr/>
           </a:p>
         </p:txBody>
@@ -21906,6 +22002,10 @@
             </a:lvl9pPr>
           </a:lstStyle>
           <a:p>
+            <a:fld id="{5CCC04C7-C0BC-4309-8CC4-8E07BBAE91BD}" type="datetime1">
+              <a:rPr lang="en-US" smtClean="0"/>
+              <a:t>10/19/2022</a:t>
+            </a:fld>
             <a:endParaRPr/>
           </a:p>
         </p:txBody>
@@ -23197,6 +23297,10 @@
             </a:lvl9pPr>
           </a:lstStyle>
           <a:p>
+            <a:fld id="{CD93106A-832A-4DFE-BA66-7B35BAC3946B}" type="datetime1">
+              <a:rPr lang="en-US" smtClean="0"/>
+              <a:t>10/19/2022</a:t>
+            </a:fld>
             <a:endParaRPr/>
           </a:p>
         </p:txBody>
@@ -23740,6 +23844,10 @@
             </a:lvl9pPr>
           </a:lstStyle>
           <a:p>
+            <a:fld id="{1DADBE97-5FE8-46B0-84CA-880F529987F0}" type="datetime1">
+              <a:rPr lang="en-US" smtClean="0"/>
+              <a:t>10/19/2022</a:t>
+            </a:fld>
             <a:endParaRPr/>
           </a:p>
         </p:txBody>
@@ -24144,6 +24252,10 @@
             </a:lvl9pPr>
           </a:lstStyle>
           <a:p>
+            <a:fld id="{F60C04F6-2661-4EDD-969F-75920AB06011}" type="datetime1">
+              <a:rPr lang="en-US" smtClean="0"/>
+              <a:t>10/19/2022</a:t>
+            </a:fld>
             <a:endParaRPr/>
           </a:p>
         </p:txBody>
@@ -25062,6 +25174,10 @@
             </a:lvl9pPr>
           </a:lstStyle>
           <a:p>
+            <a:fld id="{C0665F84-4751-4D1E-BBF4-90719E9C308C}" type="datetime1">
+              <a:rPr lang="en-US" smtClean="0"/>
+              <a:t>10/19/2022</a:t>
+            </a:fld>
             <a:endParaRPr/>
           </a:p>
         </p:txBody>
@@ -25817,6 +25933,10 @@
             </a:lvl9pPr>
           </a:lstStyle>
           <a:p>
+            <a:fld id="{4F26175B-FD53-4BD2-9329-764D09BC6E22}" type="datetime1">
+              <a:rPr lang="en-US" smtClean="0"/>
+              <a:t>10/19/2022</a:t>
+            </a:fld>
             <a:endParaRPr/>
           </a:p>
         </p:txBody>
@@ -26717,6 +26837,10 @@
             </a:lvl9pPr>
           </a:lstStyle>
           <a:p>
+            <a:fld id="{98B635C3-DA27-4A16-898A-946D4DD8EBA8}" type="datetime1">
+              <a:rPr lang="en-US" smtClean="0"/>
+              <a:t>10/19/2022</a:t>
+            </a:fld>
             <a:endParaRPr/>
           </a:p>
         </p:txBody>
@@ -27127,7 +27251,7 @@
   <p:transition spd="slow">
     <p:push/>
   </p:transition>
-  <p:hf sldNum="0" hdr="0" ftr="0" dt="0"/>
+  <p:hf hdr="0" ftr="0"/>
   <p:txStyles>
     <p:titleStyle>
       <a:defPPr marR="0" lvl="0" algn="l" rtl="0">
@@ -28502,6 +28626,10 @@
             </a:lvl9pPr>
           </a:lstStyle>
           <a:p>
+            <a:fld id="{9A794A4C-7FA9-44BE-A0BB-4F72843BAC05}" type="datetime1">
+              <a:rPr lang="en-US" smtClean="0"/>
+              <a:t>10/19/2022</a:t>
+            </a:fld>
             <a:endParaRPr/>
           </a:p>
         </p:txBody>
@@ -28935,7 +29063,7 @@
   <p:transition spd="slow">
     <p:push/>
   </p:transition>
-  <p:hf sldNum="0" hdr="0" ftr="0" dt="0"/>
+  <p:hf hdr="0" ftr="0"/>
   <p:txStyles>
     <p:titleStyle>
       <a:defPPr marR="0" lvl="0" algn="l" rtl="0">
@@ -30270,6 +30398,10 @@
             </a:lvl9pPr>
           </a:lstStyle>
           <a:p>
+            <a:fld id="{B0E62EDA-98A0-4885-A703-FAC2247913C2}" type="datetime1">
+              <a:rPr lang="en-US" smtClean="0"/>
+              <a:t>10/19/2022</a:t>
+            </a:fld>
             <a:endParaRPr/>
           </a:p>
         </p:txBody>
@@ -30694,7 +30826,7 @@
       </p:transition>
     </mc:Fallback>
   </mc:AlternateContent>
-  <p:hf sldNum="0" hdr="0" ftr="0" dt="0"/>
+  <p:hf hdr="0" ftr="0"/>
   <p:txStyles>
     <p:titleStyle>
       <a:defPPr marR="0" lvl="0" algn="l" rtl="0">
@@ -33771,6 +33903,73 @@
           </a:p>
         </p:txBody>
       </p:sp>
+      <p:sp>
+        <p:nvSpPr>
+          <p:cNvPr id="2" name="Date Placeholder 1">
+            <a:extLst>
+              <a:ext uri="{FF2B5EF4-FFF2-40B4-BE49-F238E27FC236}">
+                <a16:creationId xmlns:a16="http://schemas.microsoft.com/office/drawing/2014/main" id="{99BDB172-01EF-21BE-4B71-BBCED62C9D4F}"/>
+              </a:ext>
+            </a:extLst>
+          </p:cNvPr>
+          <p:cNvSpPr>
+            <a:spLocks noGrp="1"/>
+          </p:cNvSpPr>
+          <p:nvPr>
+            <p:ph type="dt" idx="10"/>
+          </p:nvPr>
+        </p:nvSpPr>
+        <p:spPr/>
+        <p:txBody>
+          <a:bodyPr/>
+          <a:lstStyle/>
+          <a:p>
+            <a:fld id="{588603C8-4A4B-4AD0-8130-BB735A19C0A7}" type="datetime1">
+              <a:rPr lang="en-US" smtClean="0"/>
+              <a:t>10/19/2022</a:t>
+            </a:fld>
+            <a:endParaRPr lang="en-US"/>
+          </a:p>
+        </p:txBody>
+      </p:sp>
+      <p:sp>
+        <p:nvSpPr>
+          <p:cNvPr id="3" name="Slide Number Placeholder 2">
+            <a:extLst>
+              <a:ext uri="{FF2B5EF4-FFF2-40B4-BE49-F238E27FC236}">
+                <a16:creationId xmlns:a16="http://schemas.microsoft.com/office/drawing/2014/main" id="{E1462C95-8A96-3D0B-0177-39F3AC0FEB37}"/>
+              </a:ext>
+            </a:extLst>
+          </p:cNvPr>
+          <p:cNvSpPr>
+            <a:spLocks noGrp="1"/>
+          </p:cNvSpPr>
+          <p:nvPr>
+            <p:ph type="sldNum" idx="12"/>
+          </p:nvPr>
+        </p:nvSpPr>
+        <p:spPr/>
+        <p:txBody>
+          <a:bodyPr/>
+          <a:lstStyle/>
+          <a:p>
+            <a:pPr marL="0" lvl="0" indent="0" algn="l" rtl="0">
+              <a:spcBef>
+                <a:spcPts val="0"/>
+              </a:spcBef>
+              <a:spcAft>
+                <a:spcPts val="0"/>
+              </a:spcAft>
+              <a:buNone/>
+            </a:pPr>
+            <a:fld id="{00000000-1234-1234-1234-123412341234}" type="slidenum">
+              <a:rPr lang="en-US" smtClean="0"/>
+              <a:t>15</a:t>
+            </a:fld>
+            <a:endParaRPr lang="en-US"/>
+          </a:p>
+        </p:txBody>
+      </p:sp>
     </p:spTree>
   </p:cSld>
   <p:clrMapOvr>
@@ -34539,6 +34738,73 @@
               <a:t>** Enhances data’s accuracy and integrity **</a:t>
             </a:r>
             <a:endParaRPr sz="1800" dirty="0"/>
+          </a:p>
+        </p:txBody>
+      </p:sp>
+      <p:sp>
+        <p:nvSpPr>
+          <p:cNvPr id="2" name="Date Placeholder 1">
+            <a:extLst>
+              <a:ext uri="{FF2B5EF4-FFF2-40B4-BE49-F238E27FC236}">
+                <a16:creationId xmlns:a16="http://schemas.microsoft.com/office/drawing/2014/main" id="{3518F518-51B0-DCC5-8A90-7B498997BA5D}"/>
+              </a:ext>
+            </a:extLst>
+          </p:cNvPr>
+          <p:cNvSpPr>
+            <a:spLocks noGrp="1"/>
+          </p:cNvSpPr>
+          <p:nvPr>
+            <p:ph type="dt" idx="10"/>
+          </p:nvPr>
+        </p:nvSpPr>
+        <p:spPr/>
+        <p:txBody>
+          <a:bodyPr/>
+          <a:lstStyle/>
+          <a:p>
+            <a:fld id="{F36DF6A5-0B80-4CFC-83EF-1D14A1BE0C39}" type="datetime1">
+              <a:rPr lang="en-US" smtClean="0"/>
+              <a:t>10/19/2022</a:t>
+            </a:fld>
+            <a:endParaRPr lang="en-US"/>
+          </a:p>
+        </p:txBody>
+      </p:sp>
+      <p:sp>
+        <p:nvSpPr>
+          <p:cNvPr id="3" name="Slide Number Placeholder 2">
+            <a:extLst>
+              <a:ext uri="{FF2B5EF4-FFF2-40B4-BE49-F238E27FC236}">
+                <a16:creationId xmlns:a16="http://schemas.microsoft.com/office/drawing/2014/main" id="{92D54AD9-0A96-B260-ED57-EBB0C0B96930}"/>
+              </a:ext>
+            </a:extLst>
+          </p:cNvPr>
+          <p:cNvSpPr>
+            <a:spLocks noGrp="1"/>
+          </p:cNvSpPr>
+          <p:nvPr>
+            <p:ph type="sldNum" idx="12"/>
+          </p:nvPr>
+        </p:nvSpPr>
+        <p:spPr/>
+        <p:txBody>
+          <a:bodyPr/>
+          <a:lstStyle/>
+          <a:p>
+            <a:pPr marL="0" lvl="0" indent="0" algn="l" rtl="0">
+              <a:spcBef>
+                <a:spcPts val="0"/>
+              </a:spcBef>
+              <a:spcAft>
+                <a:spcPts val="0"/>
+              </a:spcAft>
+              <a:buNone/>
+            </a:pPr>
+            <a:fld id="{00000000-1234-1234-1234-123412341234}" type="slidenum">
+              <a:rPr lang="en-US" smtClean="0"/>
+              <a:t>16</a:t>
+            </a:fld>
+            <a:endParaRPr lang="en-US"/>
           </a:p>
         </p:txBody>
       </p:sp>
@@ -35344,6 +35610,73 @@
               </a:rPr>
               <a:t>A process model with six phases that naturally describes the data science life cycle.</a:t>
             </a:r>
+          </a:p>
+        </p:txBody>
+      </p:sp>
+      <p:sp>
+        <p:nvSpPr>
+          <p:cNvPr id="2" name="Date Placeholder 1">
+            <a:extLst>
+              <a:ext uri="{FF2B5EF4-FFF2-40B4-BE49-F238E27FC236}">
+                <a16:creationId xmlns:a16="http://schemas.microsoft.com/office/drawing/2014/main" id="{6E88BF9E-8CD7-2CC0-1F5C-18B6F741E1B7}"/>
+              </a:ext>
+            </a:extLst>
+          </p:cNvPr>
+          <p:cNvSpPr>
+            <a:spLocks noGrp="1"/>
+          </p:cNvSpPr>
+          <p:nvPr>
+            <p:ph type="dt" idx="10"/>
+          </p:nvPr>
+        </p:nvSpPr>
+        <p:spPr/>
+        <p:txBody>
+          <a:bodyPr/>
+          <a:lstStyle/>
+          <a:p>
+            <a:fld id="{454B64A9-790B-49FD-A01F-9CCE955B623E}" type="datetime1">
+              <a:rPr lang="en-US" smtClean="0"/>
+              <a:t>10/19/2022</a:t>
+            </a:fld>
+            <a:endParaRPr lang="en-US"/>
+          </a:p>
+        </p:txBody>
+      </p:sp>
+      <p:sp>
+        <p:nvSpPr>
+          <p:cNvPr id="4" name="Slide Number Placeholder 3">
+            <a:extLst>
+              <a:ext uri="{FF2B5EF4-FFF2-40B4-BE49-F238E27FC236}">
+                <a16:creationId xmlns:a16="http://schemas.microsoft.com/office/drawing/2014/main" id="{D4277470-52CC-BF4E-DF0C-EE43D19B4CFF}"/>
+              </a:ext>
+            </a:extLst>
+          </p:cNvPr>
+          <p:cNvSpPr>
+            <a:spLocks noGrp="1"/>
+          </p:cNvSpPr>
+          <p:nvPr>
+            <p:ph type="sldNum" idx="12"/>
+          </p:nvPr>
+        </p:nvSpPr>
+        <p:spPr/>
+        <p:txBody>
+          <a:bodyPr/>
+          <a:lstStyle/>
+          <a:p>
+            <a:pPr marL="0" lvl="0" indent="0" algn="l" rtl="0">
+              <a:spcBef>
+                <a:spcPts val="0"/>
+              </a:spcBef>
+              <a:spcAft>
+                <a:spcPts val="0"/>
+              </a:spcAft>
+              <a:buNone/>
+            </a:pPr>
+            <a:fld id="{00000000-1234-1234-1234-123412341234}" type="slidenum">
+              <a:rPr lang="en-US" smtClean="0"/>
+              <a:t>17</a:t>
+            </a:fld>
+            <a:endParaRPr lang="en-US"/>
           </a:p>
         </p:txBody>
       </p:sp>
@@ -36007,6 +36340,73 @@
               <a:t>https://www.datascience-pm.com/crisp-dm-2/</a:t>
             </a:r>
             <a:endParaRPr lang="en-US" sz="4000" dirty="0"/>
+          </a:p>
+        </p:txBody>
+      </p:sp>
+      <p:sp>
+        <p:nvSpPr>
+          <p:cNvPr id="5" name="Date Placeholder 4">
+            <a:extLst>
+              <a:ext uri="{FF2B5EF4-FFF2-40B4-BE49-F238E27FC236}">
+                <a16:creationId xmlns:a16="http://schemas.microsoft.com/office/drawing/2014/main" id="{A5BC1E41-4478-C706-EB37-545AC0AF052F}"/>
+              </a:ext>
+            </a:extLst>
+          </p:cNvPr>
+          <p:cNvSpPr>
+            <a:spLocks noGrp="1"/>
+          </p:cNvSpPr>
+          <p:nvPr>
+            <p:ph type="dt" idx="10"/>
+          </p:nvPr>
+        </p:nvSpPr>
+        <p:spPr/>
+        <p:txBody>
+          <a:bodyPr/>
+          <a:lstStyle/>
+          <a:p>
+            <a:fld id="{0150F3C7-5129-4773-8D86-D6072F226ACD}" type="datetime1">
+              <a:rPr lang="en-US" smtClean="0"/>
+              <a:t>10/19/2022</a:t>
+            </a:fld>
+            <a:endParaRPr lang="en-US"/>
+          </a:p>
+        </p:txBody>
+      </p:sp>
+      <p:sp>
+        <p:nvSpPr>
+          <p:cNvPr id="6" name="Slide Number Placeholder 5">
+            <a:extLst>
+              <a:ext uri="{FF2B5EF4-FFF2-40B4-BE49-F238E27FC236}">
+                <a16:creationId xmlns:a16="http://schemas.microsoft.com/office/drawing/2014/main" id="{5F6FCA98-3698-BEC8-13C9-F8650C20506A}"/>
+              </a:ext>
+            </a:extLst>
+          </p:cNvPr>
+          <p:cNvSpPr>
+            <a:spLocks noGrp="1"/>
+          </p:cNvSpPr>
+          <p:nvPr>
+            <p:ph type="sldNum" idx="12"/>
+          </p:nvPr>
+        </p:nvSpPr>
+        <p:spPr/>
+        <p:txBody>
+          <a:bodyPr/>
+          <a:lstStyle/>
+          <a:p>
+            <a:pPr marL="0" lvl="0" indent="0" algn="l" rtl="0">
+              <a:spcBef>
+                <a:spcPts val="0"/>
+              </a:spcBef>
+              <a:spcAft>
+                <a:spcPts val="0"/>
+              </a:spcAft>
+              <a:buNone/>
+            </a:pPr>
+            <a:fld id="{00000000-1234-1234-1234-123412341234}" type="slidenum">
+              <a:rPr lang="en-US" smtClean="0"/>
+              <a:t>18</a:t>
+            </a:fld>
+            <a:endParaRPr lang="en-US"/>
           </a:p>
         </p:txBody>
       </p:sp>
@@ -37092,6 +37492,73 @@
           </p:txBody>
         </p:sp>
       </p:grpSp>
+      <p:sp>
+        <p:nvSpPr>
+          <p:cNvPr id="2" name="Date Placeholder 1">
+            <a:extLst>
+              <a:ext uri="{FF2B5EF4-FFF2-40B4-BE49-F238E27FC236}">
+                <a16:creationId xmlns:a16="http://schemas.microsoft.com/office/drawing/2014/main" id="{457B4DAA-B8DE-A4C0-E2E1-644144CB1C7A}"/>
+              </a:ext>
+            </a:extLst>
+          </p:cNvPr>
+          <p:cNvSpPr>
+            <a:spLocks noGrp="1"/>
+          </p:cNvSpPr>
+          <p:nvPr>
+            <p:ph type="dt" idx="10"/>
+          </p:nvPr>
+        </p:nvSpPr>
+        <p:spPr/>
+        <p:txBody>
+          <a:bodyPr/>
+          <a:lstStyle/>
+          <a:p>
+            <a:fld id="{0DDA71F3-7851-42A6-930F-32339736B83D}" type="datetime1">
+              <a:rPr lang="en-US" smtClean="0"/>
+              <a:t>10/19/2022</a:t>
+            </a:fld>
+            <a:endParaRPr lang="en-US"/>
+          </a:p>
+        </p:txBody>
+      </p:sp>
+      <p:sp>
+        <p:nvSpPr>
+          <p:cNvPr id="3" name="Slide Number Placeholder 2">
+            <a:extLst>
+              <a:ext uri="{FF2B5EF4-FFF2-40B4-BE49-F238E27FC236}">
+                <a16:creationId xmlns:a16="http://schemas.microsoft.com/office/drawing/2014/main" id="{779945D6-80D2-EE15-1698-383B443C0C48}"/>
+              </a:ext>
+            </a:extLst>
+          </p:cNvPr>
+          <p:cNvSpPr>
+            <a:spLocks noGrp="1"/>
+          </p:cNvSpPr>
+          <p:nvPr>
+            <p:ph type="sldNum" idx="12"/>
+          </p:nvPr>
+        </p:nvSpPr>
+        <p:spPr/>
+        <p:txBody>
+          <a:bodyPr/>
+          <a:lstStyle/>
+          <a:p>
+            <a:pPr marL="0" lvl="0" indent="0" algn="l" rtl="0">
+              <a:spcBef>
+                <a:spcPts val="0"/>
+              </a:spcBef>
+              <a:spcAft>
+                <a:spcPts val="0"/>
+              </a:spcAft>
+              <a:buNone/>
+            </a:pPr>
+            <a:fld id="{00000000-1234-1234-1234-123412341234}" type="slidenum">
+              <a:rPr lang="en-US" smtClean="0"/>
+              <a:t>19</a:t>
+            </a:fld>
+            <a:endParaRPr lang="en-US"/>
+          </a:p>
+        </p:txBody>
+      </p:sp>
     </p:spTree>
   </p:cSld>
   <p:clrMapOvr>
@@ -37630,6 +38097,73 @@
               <a:t>Companies are looking for people who can maintain their data and analyze it to:</a:t>
             </a:r>
             <a:endParaRPr/>
+          </a:p>
+        </p:txBody>
+      </p:sp>
+      <p:sp>
+        <p:nvSpPr>
+          <p:cNvPr id="2" name="Date Placeholder 1">
+            <a:extLst>
+              <a:ext uri="{FF2B5EF4-FFF2-40B4-BE49-F238E27FC236}">
+                <a16:creationId xmlns:a16="http://schemas.microsoft.com/office/drawing/2014/main" id="{994B5BB3-2966-6C18-5BE2-495108C386EC}"/>
+              </a:ext>
+            </a:extLst>
+          </p:cNvPr>
+          <p:cNvSpPr>
+            <a:spLocks noGrp="1"/>
+          </p:cNvSpPr>
+          <p:nvPr>
+            <p:ph type="dt" idx="10"/>
+          </p:nvPr>
+        </p:nvSpPr>
+        <p:spPr/>
+        <p:txBody>
+          <a:bodyPr/>
+          <a:lstStyle/>
+          <a:p>
+            <a:fld id="{D1E918E8-A5EF-4E2A-9CDA-9AEBD7A141DD}" type="datetime1">
+              <a:rPr lang="en-US" smtClean="0"/>
+              <a:t>10/19/2022</a:t>
+            </a:fld>
+            <a:endParaRPr lang="en-US"/>
+          </a:p>
+        </p:txBody>
+      </p:sp>
+      <p:sp>
+        <p:nvSpPr>
+          <p:cNvPr id="3" name="Slide Number Placeholder 2">
+            <a:extLst>
+              <a:ext uri="{FF2B5EF4-FFF2-40B4-BE49-F238E27FC236}">
+                <a16:creationId xmlns:a16="http://schemas.microsoft.com/office/drawing/2014/main" id="{3C71E1B4-F4C5-7CDD-1EC6-23A0D1A28F99}"/>
+              </a:ext>
+            </a:extLst>
+          </p:cNvPr>
+          <p:cNvSpPr>
+            <a:spLocks noGrp="1"/>
+          </p:cNvSpPr>
+          <p:nvPr>
+            <p:ph type="sldNum" idx="12"/>
+          </p:nvPr>
+        </p:nvSpPr>
+        <p:spPr/>
+        <p:txBody>
+          <a:bodyPr/>
+          <a:lstStyle/>
+          <a:p>
+            <a:pPr marL="0" lvl="0" indent="0" algn="r" rtl="0">
+              <a:spcBef>
+                <a:spcPts val="0"/>
+              </a:spcBef>
+              <a:spcAft>
+                <a:spcPts val="0"/>
+              </a:spcAft>
+              <a:buNone/>
+            </a:pPr>
+            <a:fld id="{00000000-1234-1234-1234-123412341234}" type="slidenum">
+              <a:rPr lang="en-US" smtClean="0"/>
+              <a:t>2</a:t>
+            </a:fld>
+            <a:endParaRPr lang="en-US"/>
           </a:p>
         </p:txBody>
       </p:sp>
@@ -39105,6 +39639,73 @@
           </a:p>
         </p:txBody>
       </p:sp>
+      <p:sp>
+        <p:nvSpPr>
+          <p:cNvPr id="2" name="Date Placeholder 1">
+            <a:extLst>
+              <a:ext uri="{FF2B5EF4-FFF2-40B4-BE49-F238E27FC236}">
+                <a16:creationId xmlns:a16="http://schemas.microsoft.com/office/drawing/2014/main" id="{AF4EFC7E-7643-1EF7-2E79-5CAAA1A1D7C1}"/>
+              </a:ext>
+            </a:extLst>
+          </p:cNvPr>
+          <p:cNvSpPr>
+            <a:spLocks noGrp="1"/>
+          </p:cNvSpPr>
+          <p:nvPr>
+            <p:ph type="dt" idx="10"/>
+          </p:nvPr>
+        </p:nvSpPr>
+        <p:spPr/>
+        <p:txBody>
+          <a:bodyPr/>
+          <a:lstStyle/>
+          <a:p>
+            <a:fld id="{F2ABA78E-40D6-46D5-8E0C-9E42D50A0B1F}" type="datetime1">
+              <a:rPr lang="en-US" smtClean="0"/>
+              <a:t>10/19/2022</a:t>
+            </a:fld>
+            <a:endParaRPr lang="en-US"/>
+          </a:p>
+        </p:txBody>
+      </p:sp>
+      <p:sp>
+        <p:nvSpPr>
+          <p:cNvPr id="3" name="Slide Number Placeholder 2">
+            <a:extLst>
+              <a:ext uri="{FF2B5EF4-FFF2-40B4-BE49-F238E27FC236}">
+                <a16:creationId xmlns:a16="http://schemas.microsoft.com/office/drawing/2014/main" id="{0FE3FB99-94FB-FF7F-8132-BC9DB0A44084}"/>
+              </a:ext>
+            </a:extLst>
+          </p:cNvPr>
+          <p:cNvSpPr>
+            <a:spLocks noGrp="1"/>
+          </p:cNvSpPr>
+          <p:nvPr>
+            <p:ph type="sldNum" idx="12"/>
+          </p:nvPr>
+        </p:nvSpPr>
+        <p:spPr/>
+        <p:txBody>
+          <a:bodyPr/>
+          <a:lstStyle/>
+          <a:p>
+            <a:pPr marL="0" lvl="0" indent="0" algn="l" rtl="0">
+              <a:spcBef>
+                <a:spcPts val="0"/>
+              </a:spcBef>
+              <a:spcAft>
+                <a:spcPts val="0"/>
+              </a:spcAft>
+              <a:buNone/>
+            </a:pPr>
+            <a:fld id="{00000000-1234-1234-1234-123412341234}" type="slidenum">
+              <a:rPr lang="en-US" smtClean="0"/>
+              <a:t>21</a:t>
+            </a:fld>
+            <a:endParaRPr lang="en-US"/>
+          </a:p>
+        </p:txBody>
+      </p:sp>
     </p:spTree>
     <p:extLst>
       <p:ext uri="{BB962C8B-B14F-4D97-AF65-F5344CB8AC3E}">
@@ -40352,6 +40953,73 @@
           </a:p>
         </p:txBody>
       </p:sp>
+      <p:sp>
+        <p:nvSpPr>
+          <p:cNvPr id="2" name="Date Placeholder 1">
+            <a:extLst>
+              <a:ext uri="{FF2B5EF4-FFF2-40B4-BE49-F238E27FC236}">
+                <a16:creationId xmlns:a16="http://schemas.microsoft.com/office/drawing/2014/main" id="{A8826234-C77A-AB19-DC4C-0C521BEE78DE}"/>
+              </a:ext>
+            </a:extLst>
+          </p:cNvPr>
+          <p:cNvSpPr>
+            <a:spLocks noGrp="1"/>
+          </p:cNvSpPr>
+          <p:nvPr>
+            <p:ph type="dt" idx="10"/>
+          </p:nvPr>
+        </p:nvSpPr>
+        <p:spPr/>
+        <p:txBody>
+          <a:bodyPr/>
+          <a:lstStyle/>
+          <a:p>
+            <a:fld id="{0EEDD705-F092-48EA-901E-553A9CC71F40}" type="datetime1">
+              <a:rPr lang="en-US" smtClean="0"/>
+              <a:t>10/19/2022</a:t>
+            </a:fld>
+            <a:endParaRPr lang="en-US"/>
+          </a:p>
+        </p:txBody>
+      </p:sp>
+      <p:sp>
+        <p:nvSpPr>
+          <p:cNvPr id="3" name="Slide Number Placeholder 2">
+            <a:extLst>
+              <a:ext uri="{FF2B5EF4-FFF2-40B4-BE49-F238E27FC236}">
+                <a16:creationId xmlns:a16="http://schemas.microsoft.com/office/drawing/2014/main" id="{31B16EE4-00D7-7400-B5AB-2D2368D2C356}"/>
+              </a:ext>
+            </a:extLst>
+          </p:cNvPr>
+          <p:cNvSpPr>
+            <a:spLocks noGrp="1"/>
+          </p:cNvSpPr>
+          <p:nvPr>
+            <p:ph type="sldNum" idx="12"/>
+          </p:nvPr>
+        </p:nvSpPr>
+        <p:spPr/>
+        <p:txBody>
+          <a:bodyPr/>
+          <a:lstStyle/>
+          <a:p>
+            <a:pPr marL="0" lvl="0" indent="0" algn="r" rtl="0">
+              <a:spcBef>
+                <a:spcPts val="0"/>
+              </a:spcBef>
+              <a:spcAft>
+                <a:spcPts val="0"/>
+              </a:spcAft>
+              <a:buNone/>
+            </a:pPr>
+            <a:fld id="{00000000-1234-1234-1234-123412341234}" type="slidenum">
+              <a:rPr lang="en-US" smtClean="0"/>
+              <a:t>3</a:t>
+            </a:fld>
+            <a:endParaRPr lang="en-US"/>
+          </a:p>
+        </p:txBody>
+      </p:sp>
     </p:spTree>
   </p:cSld>
   <p:clrMapOvr>
@@ -40704,6 +41372,73 @@
                 <a:schemeClr val="accent1"/>
               </a:solidFill>
             </a:endParaRPr>
+          </a:p>
+        </p:txBody>
+      </p:sp>
+      <p:sp>
+        <p:nvSpPr>
+          <p:cNvPr id="4" name="Date Placeholder 3">
+            <a:extLst>
+              <a:ext uri="{FF2B5EF4-FFF2-40B4-BE49-F238E27FC236}">
+                <a16:creationId xmlns:a16="http://schemas.microsoft.com/office/drawing/2014/main" id="{73D27397-232E-39D6-FD51-5FA34F277CD3}"/>
+              </a:ext>
+            </a:extLst>
+          </p:cNvPr>
+          <p:cNvSpPr>
+            <a:spLocks noGrp="1"/>
+          </p:cNvSpPr>
+          <p:nvPr>
+            <p:ph type="dt" idx="10"/>
+          </p:nvPr>
+        </p:nvSpPr>
+        <p:spPr/>
+        <p:txBody>
+          <a:bodyPr/>
+          <a:lstStyle/>
+          <a:p>
+            <a:fld id="{9609A702-9C14-4C8F-9D0B-9F34E04BC620}" type="datetime1">
+              <a:rPr lang="en-US" smtClean="0"/>
+              <a:t>10/19/2022</a:t>
+            </a:fld>
+            <a:endParaRPr lang="en-US"/>
+          </a:p>
+        </p:txBody>
+      </p:sp>
+      <p:sp>
+        <p:nvSpPr>
+          <p:cNvPr id="5" name="Slide Number Placeholder 4">
+            <a:extLst>
+              <a:ext uri="{FF2B5EF4-FFF2-40B4-BE49-F238E27FC236}">
+                <a16:creationId xmlns:a16="http://schemas.microsoft.com/office/drawing/2014/main" id="{07F71553-DE77-7A1E-0A79-BA6AD3DB5FA6}"/>
+              </a:ext>
+            </a:extLst>
+          </p:cNvPr>
+          <p:cNvSpPr>
+            <a:spLocks noGrp="1"/>
+          </p:cNvSpPr>
+          <p:nvPr>
+            <p:ph type="sldNum" idx="12"/>
+          </p:nvPr>
+        </p:nvSpPr>
+        <p:spPr/>
+        <p:txBody>
+          <a:bodyPr/>
+          <a:lstStyle/>
+          <a:p>
+            <a:pPr marL="0" lvl="0" indent="0" algn="r" rtl="0">
+              <a:spcBef>
+                <a:spcPts val="0"/>
+              </a:spcBef>
+              <a:spcAft>
+                <a:spcPts val="0"/>
+              </a:spcAft>
+              <a:buNone/>
+            </a:pPr>
+            <a:fld id="{00000000-1234-1234-1234-123412341234}" type="slidenum">
+              <a:rPr lang="en-US" smtClean="0"/>
+              <a:t>4</a:t>
+            </a:fld>
+            <a:endParaRPr lang="en-US"/>
           </a:p>
         </p:txBody>
       </p:sp>
@@ -41825,6 +42560,73 @@
           </p:txBody>
         </p:sp>
       </p:grpSp>
+      <p:sp>
+        <p:nvSpPr>
+          <p:cNvPr id="2" name="Date Placeholder 1">
+            <a:extLst>
+              <a:ext uri="{FF2B5EF4-FFF2-40B4-BE49-F238E27FC236}">
+                <a16:creationId xmlns:a16="http://schemas.microsoft.com/office/drawing/2014/main" id="{7B89F1DD-8AAC-77B3-1588-BDF1424980C3}"/>
+              </a:ext>
+            </a:extLst>
+          </p:cNvPr>
+          <p:cNvSpPr>
+            <a:spLocks noGrp="1"/>
+          </p:cNvSpPr>
+          <p:nvPr>
+            <p:ph type="dt" idx="10"/>
+          </p:nvPr>
+        </p:nvSpPr>
+        <p:spPr/>
+        <p:txBody>
+          <a:bodyPr/>
+          <a:lstStyle/>
+          <a:p>
+            <a:fld id="{26A0504E-B863-470F-A9FF-3D6BB5DD5AF5}" type="datetime1">
+              <a:rPr lang="en-US" smtClean="0"/>
+              <a:t>10/19/2022</a:t>
+            </a:fld>
+            <a:endParaRPr lang="en-US"/>
+          </a:p>
+        </p:txBody>
+      </p:sp>
+      <p:sp>
+        <p:nvSpPr>
+          <p:cNvPr id="3" name="Slide Number Placeholder 2">
+            <a:extLst>
+              <a:ext uri="{FF2B5EF4-FFF2-40B4-BE49-F238E27FC236}">
+                <a16:creationId xmlns:a16="http://schemas.microsoft.com/office/drawing/2014/main" id="{6B0198DD-BD87-2F6C-7A33-A9D018384131}"/>
+              </a:ext>
+            </a:extLst>
+          </p:cNvPr>
+          <p:cNvSpPr>
+            <a:spLocks noGrp="1"/>
+          </p:cNvSpPr>
+          <p:nvPr>
+            <p:ph type="sldNum" idx="12"/>
+          </p:nvPr>
+        </p:nvSpPr>
+        <p:spPr/>
+        <p:txBody>
+          <a:bodyPr/>
+          <a:lstStyle/>
+          <a:p>
+            <a:pPr marL="0" lvl="0" indent="0" algn="r" rtl="0">
+              <a:spcBef>
+                <a:spcPts val="0"/>
+              </a:spcBef>
+              <a:spcAft>
+                <a:spcPts val="0"/>
+              </a:spcAft>
+              <a:buNone/>
+            </a:pPr>
+            <a:fld id="{00000000-1234-1234-1234-123412341234}" type="slidenum">
+              <a:rPr lang="en-US" smtClean="0"/>
+              <a:t>5</a:t>
+            </a:fld>
+            <a:endParaRPr lang="en-US"/>
+          </a:p>
+        </p:txBody>
+      </p:sp>
     </p:spTree>
     <p:extLst>
       <p:ext uri="{BB962C8B-B14F-4D97-AF65-F5344CB8AC3E}">
@@ -42940,6 +43742,73 @@
               </a:rPr>
               <a:t>  Step #6 – Publishing</a:t>
             </a:r>
+          </a:p>
+        </p:txBody>
+      </p:sp>
+      <p:sp>
+        <p:nvSpPr>
+          <p:cNvPr id="2" name="Date Placeholder 1">
+            <a:extLst>
+              <a:ext uri="{FF2B5EF4-FFF2-40B4-BE49-F238E27FC236}">
+                <a16:creationId xmlns:a16="http://schemas.microsoft.com/office/drawing/2014/main" id="{5B5E12A8-CC31-16C5-1419-C05FF5E4DF2A}"/>
+              </a:ext>
+            </a:extLst>
+          </p:cNvPr>
+          <p:cNvSpPr>
+            <a:spLocks noGrp="1"/>
+          </p:cNvSpPr>
+          <p:nvPr>
+            <p:ph type="dt" idx="10"/>
+          </p:nvPr>
+        </p:nvSpPr>
+        <p:spPr/>
+        <p:txBody>
+          <a:bodyPr/>
+          <a:lstStyle/>
+          <a:p>
+            <a:fld id="{8D848C3E-F013-427D-B54D-4ADD24B58CB9}" type="datetime1">
+              <a:rPr lang="en-US" smtClean="0"/>
+              <a:t>10/19/2022</a:t>
+            </a:fld>
+            <a:endParaRPr lang="en-US"/>
+          </a:p>
+        </p:txBody>
+      </p:sp>
+      <p:sp>
+        <p:nvSpPr>
+          <p:cNvPr id="3" name="Slide Number Placeholder 2">
+            <a:extLst>
+              <a:ext uri="{FF2B5EF4-FFF2-40B4-BE49-F238E27FC236}">
+                <a16:creationId xmlns:a16="http://schemas.microsoft.com/office/drawing/2014/main" id="{0B48F691-6A9A-0814-4C56-B8C1999F2DA4}"/>
+              </a:ext>
+            </a:extLst>
+          </p:cNvPr>
+          <p:cNvSpPr>
+            <a:spLocks noGrp="1"/>
+          </p:cNvSpPr>
+          <p:nvPr>
+            <p:ph type="sldNum" idx="12"/>
+          </p:nvPr>
+        </p:nvSpPr>
+        <p:spPr/>
+        <p:txBody>
+          <a:bodyPr/>
+          <a:lstStyle/>
+          <a:p>
+            <a:pPr marL="0" lvl="0" indent="0" algn="l" rtl="0">
+              <a:spcBef>
+                <a:spcPts val="0"/>
+              </a:spcBef>
+              <a:spcAft>
+                <a:spcPts val="0"/>
+              </a:spcAft>
+              <a:buNone/>
+            </a:pPr>
+            <a:fld id="{00000000-1234-1234-1234-123412341234}" type="slidenum">
+              <a:rPr lang="en-US" smtClean="0"/>
+              <a:t>7</a:t>
+            </a:fld>
+            <a:endParaRPr lang="en-US"/>
           </a:p>
         </p:txBody>
       </p:sp>
